--- a/p05/Defining-a-frame-components.pptx
+++ b/p05/Defining-a-frame-components.pptx
@@ -5,22 +5,21 @@
     <p:sldMasterId id="2147483660" r:id="rId1"/>
   </p:sldMasterIdLst>
   <p:notesMasterIdLst>
-    <p:notesMasterId r:id="rId15"/>
+    <p:notesMasterId r:id="rId14"/>
   </p:notesMasterIdLst>
   <p:sldIdLst>
     <p:sldId id="281" r:id="rId2"/>
-    <p:sldId id="258" r:id="rId3"/>
-    <p:sldId id="259" r:id="rId4"/>
-    <p:sldId id="261" r:id="rId5"/>
-    <p:sldId id="274" r:id="rId6"/>
-    <p:sldId id="275" r:id="rId7"/>
-    <p:sldId id="273" r:id="rId8"/>
-    <p:sldId id="276" r:id="rId9"/>
-    <p:sldId id="277" r:id="rId10"/>
-    <p:sldId id="278" r:id="rId11"/>
-    <p:sldId id="279" r:id="rId12"/>
-    <p:sldId id="280" r:id="rId13"/>
-    <p:sldId id="293" r:id="rId14"/>
+    <p:sldId id="259" r:id="rId3"/>
+    <p:sldId id="261" r:id="rId4"/>
+    <p:sldId id="274" r:id="rId5"/>
+    <p:sldId id="275" r:id="rId6"/>
+    <p:sldId id="273" r:id="rId7"/>
+    <p:sldId id="276" r:id="rId8"/>
+    <p:sldId id="277" r:id="rId9"/>
+    <p:sldId id="278" r:id="rId10"/>
+    <p:sldId id="279" r:id="rId11"/>
+    <p:sldId id="280" r:id="rId12"/>
+    <p:sldId id="293" r:id="rId13"/>
   </p:sldIdLst>
   <p:sldSz cx="12192000" cy="6858000"/>
   <p:notesSz cx="6858000" cy="9144000"/>
@@ -209,7 +208,7 @@
           <a:p>
             <a:fld id="{0CC22E7C-05FA-4B07-9A3E-26967016A603}" type="datetimeFigureOut">
               <a:rPr lang="en-US" smtClean="0"/>
-              <a:t>10/18/2024</a:t>
+              <a:t>10/19/2024</a:t>
             </a:fld>
             <a:endParaRPr lang="en-US"/>
           </a:p>
@@ -607,7 +606,7 @@
           <a:p>
             <a:fld id="{846CE7D5-CF57-46EF-B807-FDD0502418D4}" type="datetimeFigureOut">
               <a:rPr lang="en-US" smtClean="0"/>
-              <a:t>10/18/2024</a:t>
+              <a:t>10/19/2024</a:t>
             </a:fld>
             <a:endParaRPr lang="en-US"/>
           </a:p>
@@ -777,7 +776,7 @@
           <a:p>
             <a:fld id="{846CE7D5-CF57-46EF-B807-FDD0502418D4}" type="datetimeFigureOut">
               <a:rPr lang="en-US" smtClean="0"/>
-              <a:t>10/18/2024</a:t>
+              <a:t>10/19/2024</a:t>
             </a:fld>
             <a:endParaRPr lang="en-US"/>
           </a:p>
@@ -957,7 +956,7 @@
           <a:p>
             <a:fld id="{846CE7D5-CF57-46EF-B807-FDD0502418D4}" type="datetimeFigureOut">
               <a:rPr lang="en-US" smtClean="0"/>
-              <a:t>10/18/2024</a:t>
+              <a:t>10/19/2024</a:t>
             </a:fld>
             <a:endParaRPr lang="en-US"/>
           </a:p>
@@ -1127,7 +1126,7 @@
           <a:p>
             <a:fld id="{846CE7D5-CF57-46EF-B807-FDD0502418D4}" type="datetimeFigureOut">
               <a:rPr lang="en-US" smtClean="0"/>
-              <a:t>10/18/2024</a:t>
+              <a:t>10/19/2024</a:t>
             </a:fld>
             <a:endParaRPr lang="en-US"/>
           </a:p>
@@ -1373,7 +1372,7 @@
           <a:p>
             <a:fld id="{846CE7D5-CF57-46EF-B807-FDD0502418D4}" type="datetimeFigureOut">
               <a:rPr lang="en-US" smtClean="0"/>
-              <a:t>10/18/2024</a:t>
+              <a:t>10/19/2024</a:t>
             </a:fld>
             <a:endParaRPr lang="en-US"/>
           </a:p>
@@ -1605,7 +1604,7 @@
           <a:p>
             <a:fld id="{846CE7D5-CF57-46EF-B807-FDD0502418D4}" type="datetimeFigureOut">
               <a:rPr lang="en-US" smtClean="0"/>
-              <a:t>10/18/2024</a:t>
+              <a:t>10/19/2024</a:t>
             </a:fld>
             <a:endParaRPr lang="en-US"/>
           </a:p>
@@ -1972,7 +1971,7 @@
           <a:p>
             <a:fld id="{846CE7D5-CF57-46EF-B807-FDD0502418D4}" type="datetimeFigureOut">
               <a:rPr lang="en-US" smtClean="0"/>
-              <a:t>10/18/2024</a:t>
+              <a:t>10/19/2024</a:t>
             </a:fld>
             <a:endParaRPr lang="en-US"/>
           </a:p>
@@ -2090,7 +2089,7 @@
           <a:p>
             <a:fld id="{846CE7D5-CF57-46EF-B807-FDD0502418D4}" type="datetimeFigureOut">
               <a:rPr lang="en-US" smtClean="0"/>
-              <a:t>10/18/2024</a:t>
+              <a:t>10/19/2024</a:t>
             </a:fld>
             <a:endParaRPr lang="en-US"/>
           </a:p>
@@ -2185,7 +2184,7 @@
           <a:p>
             <a:fld id="{846CE7D5-CF57-46EF-B807-FDD0502418D4}" type="datetimeFigureOut">
               <a:rPr lang="en-US" smtClean="0"/>
-              <a:t>10/18/2024</a:t>
+              <a:t>10/19/2024</a:t>
             </a:fld>
             <a:endParaRPr lang="en-US"/>
           </a:p>
@@ -2462,7 +2461,7 @@
           <a:p>
             <a:fld id="{846CE7D5-CF57-46EF-B807-FDD0502418D4}" type="datetimeFigureOut">
               <a:rPr lang="en-US" smtClean="0"/>
-              <a:t>10/18/2024</a:t>
+              <a:t>10/19/2024</a:t>
             </a:fld>
             <a:endParaRPr lang="en-US"/>
           </a:p>
@@ -2719,7 +2718,7 @@
           <a:p>
             <a:fld id="{846CE7D5-CF57-46EF-B807-FDD0502418D4}" type="datetimeFigureOut">
               <a:rPr lang="en-US" smtClean="0"/>
-              <a:t>10/18/2024</a:t>
+              <a:t>10/19/2024</a:t>
             </a:fld>
             <a:endParaRPr lang="en-US"/>
           </a:p>
@@ -2932,7 +2931,7 @@
           <a:p>
             <a:fld id="{846CE7D5-CF57-46EF-B807-FDD0502418D4}" type="datetimeFigureOut">
               <a:rPr lang="en-US" smtClean="0"/>
-              <a:t>10/18/2024</a:t>
+              <a:t>10/19/2024</a:t>
             </a:fld>
             <a:endParaRPr lang="en-US"/>
           </a:p>
@@ -4631,216 +4630,6 @@
           <p:cNvPr id="2" name="Title 1">
             <a:extLst>
               <a:ext uri="{FF2B5EF4-FFF2-40B4-BE49-F238E27FC236}">
-                <a16:creationId xmlns:a16="http://schemas.microsoft.com/office/drawing/2014/main" id="{D161356C-484A-AB76-6132-5AAD54D2DC72}"/>
-              </a:ext>
-            </a:extLst>
-          </p:cNvPr>
-          <p:cNvSpPr>
-            <a:spLocks noGrp="1"/>
-          </p:cNvSpPr>
-          <p:nvPr>
-            <p:ph type="title"/>
-          </p:nvPr>
-        </p:nvSpPr>
-        <p:spPr>
-          <a:xfrm>
-            <a:off x="903514" y="340005"/>
-            <a:ext cx="10515600" cy="1325563"/>
-          </a:xfrm>
-        </p:spPr>
-        <p:txBody>
-          <a:bodyPr/>
-          <a:lstStyle/>
-          <a:p>
-            <a:r>
-              <a:rPr lang="en-US" dirty="0">
-                <a:solidFill>
-                  <a:srgbClr val="0070C0"/>
-                </a:solidFill>
-              </a:rPr>
-              <a:t>Attaching a new component to a scene</a:t>
-            </a:r>
-          </a:p>
-        </p:txBody>
-      </p:sp>
-      <p:sp>
-        <p:nvSpPr>
-          <p:cNvPr id="3" name="Content Placeholder 2">
-            <a:extLst>
-              <a:ext uri="{FF2B5EF4-FFF2-40B4-BE49-F238E27FC236}">
-                <a16:creationId xmlns:a16="http://schemas.microsoft.com/office/drawing/2014/main" id="{F1820236-2515-D6E4-7C48-0874DD970B59}"/>
-              </a:ext>
-            </a:extLst>
-          </p:cNvPr>
-          <p:cNvSpPr>
-            <a:spLocks noGrp="1"/>
-          </p:cNvSpPr>
-          <p:nvPr>
-            <p:ph idx="1"/>
-          </p:nvPr>
-        </p:nvSpPr>
-        <p:spPr/>
-        <p:txBody>
-          <a:bodyPr/>
-          <a:lstStyle/>
-          <a:p>
-            <a:pPr marL="0" indent="0">
-              <a:lnSpc>
-                <a:spcPct val="120000"/>
-              </a:lnSpc>
-              <a:spcBef>
-                <a:spcPts val="0"/>
-              </a:spcBef>
-              <a:buNone/>
-            </a:pPr>
-            <a:endParaRPr lang="en-US" sz="2800" dirty="0"/>
-          </a:p>
-          <a:p>
-            <a:pPr marL="0" indent="0">
-              <a:lnSpc>
-                <a:spcPct val="120000"/>
-              </a:lnSpc>
-              <a:spcBef>
-                <a:spcPts val="0"/>
-              </a:spcBef>
-              <a:buNone/>
-            </a:pPr>
-            <a:r>
-              <a:rPr lang="en-US" sz="2800" dirty="0" err="1"/>
-              <a:t>AFRAME.registerComponent</a:t>
-            </a:r>
-            <a:r>
-              <a:rPr lang="en-US" sz="2800" dirty="0"/>
-              <a:t>('new-comp', {</a:t>
-            </a:r>
-          </a:p>
-          <a:p>
-            <a:pPr marL="0" indent="0">
-              <a:lnSpc>
-                <a:spcPct val="120000"/>
-              </a:lnSpc>
-              <a:spcBef>
-                <a:spcPts val="0"/>
-              </a:spcBef>
-              <a:buNone/>
-            </a:pPr>
-            <a:r>
-              <a:rPr lang="en-US" sz="2800" dirty="0"/>
-              <a:t>	  </a:t>
-            </a:r>
-            <a:r>
-              <a:rPr lang="en-US" sz="2800" dirty="0" err="1"/>
-              <a:t>init</a:t>
-            </a:r>
-            <a:r>
-              <a:rPr lang="en-US" sz="2800" dirty="0"/>
-              <a:t>: function () {</a:t>
-            </a:r>
-          </a:p>
-          <a:p>
-            <a:pPr marL="0" indent="0">
-              <a:lnSpc>
-                <a:spcPct val="120000"/>
-              </a:lnSpc>
-              <a:spcBef>
-                <a:spcPts val="0"/>
-              </a:spcBef>
-              <a:buNone/>
-            </a:pPr>
-            <a:r>
-              <a:rPr lang="en-US" dirty="0"/>
-              <a:t>		</a:t>
-            </a:r>
-            <a:r>
-              <a:rPr lang="en-US" b="1" dirty="0">
-                <a:solidFill>
-                  <a:srgbClr val="0070C0"/>
-                </a:solidFill>
-              </a:rPr>
-              <a:t>var</a:t>
-            </a:r>
-            <a:r>
-              <a:rPr lang="en-US" dirty="0">
-                <a:solidFill>
-                  <a:srgbClr val="0070C0"/>
-                </a:solidFill>
-              </a:rPr>
-              <a:t> sceneE1 = this.e1;</a:t>
-            </a:r>
-          </a:p>
-          <a:p>
-            <a:pPr marL="0" indent="0">
-              <a:lnSpc>
-                <a:spcPct val="120000"/>
-              </a:lnSpc>
-              <a:spcBef>
-                <a:spcPts val="0"/>
-              </a:spcBef>
-              <a:buNone/>
-            </a:pPr>
-            <a:r>
-              <a:rPr lang="en-US" sz="2800" dirty="0"/>
-              <a:t>	}  </a:t>
-            </a:r>
-          </a:p>
-          <a:p>
-            <a:pPr marL="0" indent="0">
-              <a:lnSpc>
-                <a:spcPct val="120000"/>
-              </a:lnSpc>
-              <a:spcBef>
-                <a:spcPts val="0"/>
-              </a:spcBef>
-              <a:buNone/>
-            </a:pPr>
-            <a:r>
-              <a:rPr lang="en-US" sz="2800" dirty="0"/>
-              <a:t>});</a:t>
-            </a:r>
-          </a:p>
-          <a:p>
-            <a:pPr marL="0" indent="0">
-              <a:buNone/>
-            </a:pPr>
-            <a:endParaRPr lang="en-US" dirty="0"/>
-          </a:p>
-        </p:txBody>
-      </p:sp>
-    </p:spTree>
-    <p:extLst>
-      <p:ext uri="{BB962C8B-B14F-4D97-AF65-F5344CB8AC3E}">
-        <p14:creationId xmlns:p14="http://schemas.microsoft.com/office/powerpoint/2010/main" val="3587983780"/>
-      </p:ext>
-    </p:extLst>
-  </p:cSld>
-  <p:clrMapOvr>
-    <a:masterClrMapping/>
-  </p:clrMapOvr>
-</p:sld>
-</file>
-
-<file path=ppt/slides/slide11.xml><?xml version="1.0" encoding="utf-8"?>
-<p:sld xmlns:a="http://schemas.openxmlformats.org/drawingml/2006/main" xmlns:r="http://schemas.openxmlformats.org/officeDocument/2006/relationships" xmlns:p="http://schemas.openxmlformats.org/presentationml/2006/main">
-  <p:cSld>
-    <p:spTree>
-      <p:nvGrpSpPr>
-        <p:cNvPr id="1" name=""/>
-        <p:cNvGrpSpPr/>
-        <p:nvPr/>
-      </p:nvGrpSpPr>
-      <p:grpSpPr>
-        <a:xfrm>
-          <a:off x="0" y="0"/>
-          <a:ext cx="0" cy="0"/>
-          <a:chOff x="0" y="0"/>
-          <a:chExt cx="0" cy="0"/>
-        </a:xfrm>
-      </p:grpSpPr>
-      <p:sp>
-        <p:nvSpPr>
-          <p:cNvPr id="2" name="Title 1">
-            <a:extLst>
-              <a:ext uri="{FF2B5EF4-FFF2-40B4-BE49-F238E27FC236}">
                 <a16:creationId xmlns:a16="http://schemas.microsoft.com/office/drawing/2014/main" id="{5A6AC5AD-3F49-0BD0-C02A-147A8E20EF04}"/>
               </a:ext>
             </a:extLst>
@@ -5058,7 +4847,7 @@
 </p:sld>
 </file>
 
-<file path=ppt/slides/slide12.xml><?xml version="1.0" encoding="utf-8"?>
+<file path=ppt/slides/slide11.xml><?xml version="1.0" encoding="utf-8"?>
 <p:sld xmlns:a="http://schemas.openxmlformats.org/drawingml/2006/main" xmlns:r="http://schemas.openxmlformats.org/officeDocument/2006/relationships" xmlns:p="http://schemas.openxmlformats.org/presentationml/2006/main">
   <p:cSld>
     <p:spTree>
@@ -5156,7 +4945,7 @@
 </p:sld>
 </file>
 
-<file path=ppt/slides/slide13.xml><?xml version="1.0" encoding="utf-8"?>
+<file path=ppt/slides/slide12.xml><?xml version="1.0" encoding="utf-8"?>
 <p:sld xmlns:a="http://schemas.openxmlformats.org/drawingml/2006/main" xmlns:r="http://schemas.openxmlformats.org/officeDocument/2006/relationships" xmlns:p="http://schemas.openxmlformats.org/presentationml/2006/main">
   <p:cSld>
     <p:spTree>
@@ -5237,7 +5026,7 @@
           <p:cNvPr id="2" name="Title 1">
             <a:extLst>
               <a:ext uri="{FF2B5EF4-FFF2-40B4-BE49-F238E27FC236}">
-                <a16:creationId xmlns:a16="http://schemas.microsoft.com/office/drawing/2014/main" id="{29D5BE20-677D-4B4F-44B7-9A84D1548C6C}"/>
+                <a16:creationId xmlns:a16="http://schemas.microsoft.com/office/drawing/2014/main" id="{D0A32E1B-304C-70CA-4FE2-121036B45BBD}"/>
               </a:ext>
             </a:extLst>
           </p:cNvPr>
@@ -5261,1114 +5050,127 @@
                 <a:ea typeface="Calibri Light"/>
                 <a:cs typeface="Calibri Light"/>
               </a:rPr>
-              <a:t>Learning plan</a:t>
-            </a:r>
-            <a:endParaRPr lang="en-US" dirty="0">
+              <a:t>Outline</a:t>
+            </a:r>
+            <a:endParaRPr lang="en-US">
               <a:solidFill>
                 <a:srgbClr val="0070C0"/>
               </a:solidFill>
+              <a:ea typeface="Calibri Light"/>
+              <a:cs typeface="Calibri Light"/>
             </a:endParaRPr>
           </a:p>
         </p:txBody>
       </p:sp>
-      <p:graphicFrame>
-        <p:nvGraphicFramePr>
-          <p:cNvPr id="5" name="Table 4">
+      <p:sp>
+        <p:nvSpPr>
+          <p:cNvPr id="3" name="Content Placeholder 2">
             <a:extLst>
               <a:ext uri="{FF2B5EF4-FFF2-40B4-BE49-F238E27FC236}">
-                <a16:creationId xmlns:a16="http://schemas.microsoft.com/office/drawing/2014/main" id="{94CC263D-27AE-E86F-7091-6D2561F5BDDC}"/>
+                <a16:creationId xmlns:a16="http://schemas.microsoft.com/office/drawing/2014/main" id="{0F80D594-86CE-1ED4-994C-042A2971ED94}"/>
               </a:ext>
             </a:extLst>
           </p:cNvPr>
-          <p:cNvGraphicFramePr>
-            <a:graphicFrameLocks noGrp="1"/>
-          </p:cNvGraphicFramePr>
-          <p:nvPr>
-            <p:extLst>
-              <p:ext uri="{D42A27DB-BD31-4B8C-83A1-F6EECF244321}">
-                <p14:modId xmlns:p14="http://schemas.microsoft.com/office/powerpoint/2010/main" val="3107898142"/>
-              </p:ext>
-            </p:extLst>
-          </p:nvPr>
-        </p:nvGraphicFramePr>
-        <p:xfrm>
-          <a:off x="680674" y="1691735"/>
-          <a:ext cx="11128201" cy="3566160"/>
-        </p:xfrm>
-        <a:graphic>
-          <a:graphicData uri="http://schemas.openxmlformats.org/drawingml/2006/table">
-            <a:tbl>
-              <a:tblPr firstRow="1" bandRow="1">
-                <a:tableStyleId>{2D5ABB26-0587-4C30-8999-92F81FD0307C}</a:tableStyleId>
-              </a:tblPr>
-              <a:tblGrid>
-                <a:gridCol w="4113444">
-                  <a:extLst>
-                    <a:ext uri="{9D8B030D-6E8A-4147-A177-3AD203B41FA5}">
-                      <a16:colId xmlns:a16="http://schemas.microsoft.com/office/drawing/2014/main" val="1160588841"/>
-                    </a:ext>
-                  </a:extLst>
-                </a:gridCol>
-                <a:gridCol w="7014757">
-                  <a:extLst>
-                    <a:ext uri="{9D8B030D-6E8A-4147-A177-3AD203B41FA5}">
-                      <a16:colId xmlns:a16="http://schemas.microsoft.com/office/drawing/2014/main" val="2091583440"/>
-                    </a:ext>
-                  </a:extLst>
-                </a:gridCol>
-              </a:tblGrid>
-              <a:tr h="190500">
-                <a:tc>
-                  <a:txBody>
-                    <a:bodyPr/>
-                    <a:lstStyle/>
-                    <a:p>
-                      <a:pPr fontAlgn="t"/>
-                      <a:r>
-                        <a:rPr lang="en-US" sz="2000" b="1" dirty="0">
-                          <a:effectLst/>
-                        </a:rPr>
-                        <a:t>Introduction </a:t>
-                      </a:r>
-                      <a:endParaRPr lang="en-US" sz="2000" dirty="0">
-                        <a:effectLst/>
-                      </a:endParaRPr>
-                    </a:p>
-                  </a:txBody>
-                  <a:tcPr>
-                    <a:lnL w="12700" cap="flat" cmpd="sng" algn="ctr">
-                      <a:solidFill>
-                        <a:schemeClr val="tx1"/>
-                      </a:solidFill>
-                      <a:prstDash val="solid"/>
-                      <a:round/>
-                      <a:headEnd type="none" w="med" len="med"/>
-                      <a:tailEnd type="none" w="med" len="med"/>
-                    </a:lnL>
-                    <a:lnR w="12700" cap="flat" cmpd="sng" algn="ctr">
-                      <a:solidFill>
-                        <a:schemeClr val="tx1"/>
-                      </a:solidFill>
-                      <a:prstDash val="solid"/>
-                      <a:round/>
-                      <a:headEnd type="none" w="med" len="med"/>
-                      <a:tailEnd type="none" w="med" len="med"/>
-                    </a:lnR>
-                    <a:lnT w="12700" cap="flat" cmpd="sng" algn="ctr">
-                      <a:solidFill>
-                        <a:schemeClr val="tx1"/>
-                      </a:solidFill>
-                      <a:prstDash val="solid"/>
-                      <a:round/>
-                      <a:headEnd type="none" w="med" len="med"/>
-                      <a:tailEnd type="none" w="med" len="med"/>
-                    </a:lnT>
-                    <a:lnB w="12700" cap="flat" cmpd="sng" algn="ctr">
-                      <a:solidFill>
-                        <a:schemeClr val="tx1"/>
-                      </a:solidFill>
-                      <a:prstDash val="solid"/>
-                      <a:round/>
-                      <a:headEnd type="none" w="med" len="med"/>
-                      <a:tailEnd type="none" w="med" len="med"/>
-                    </a:lnB>
-                  </a:tcPr>
-                </a:tc>
-                <a:tc>
-                  <a:txBody>
-                    <a:bodyPr/>
-                    <a:lstStyle/>
-                    <a:p>
-                      <a:pPr fontAlgn="t"/>
-                      <a:endParaRPr lang="en-US" sz="2000" b="0" i="0" dirty="0">
-                        <a:effectLst/>
-                        <a:latin typeface="Calibri"/>
-                      </a:endParaRPr>
-                    </a:p>
-                  </a:txBody>
-                  <a:tcPr>
-                    <a:lnL w="12700" cap="flat" cmpd="sng" algn="ctr">
-                      <a:solidFill>
-                        <a:schemeClr val="tx1"/>
-                      </a:solidFill>
-                      <a:prstDash val="solid"/>
-                      <a:round/>
-                      <a:headEnd type="none" w="med" len="med"/>
-                      <a:tailEnd type="none" w="med" len="med"/>
-                    </a:lnL>
-                    <a:lnR w="12700" cap="flat" cmpd="sng" algn="ctr">
-                      <a:solidFill>
-                        <a:schemeClr val="tx1"/>
-                      </a:solidFill>
-                      <a:prstDash val="solid"/>
-                      <a:round/>
-                      <a:headEnd type="none" w="med" len="med"/>
-                      <a:tailEnd type="none" w="med" len="med"/>
-                    </a:lnR>
-                    <a:lnT w="12700" cap="flat" cmpd="sng" algn="ctr">
-                      <a:solidFill>
-                        <a:schemeClr val="tx1"/>
-                      </a:solidFill>
-                      <a:prstDash val="solid"/>
-                      <a:round/>
-                      <a:headEnd type="none" w="med" len="med"/>
-                      <a:tailEnd type="none" w="med" len="med"/>
-                    </a:lnT>
-                    <a:lnB w="12700" cap="flat" cmpd="sng" algn="ctr">
-                      <a:solidFill>
-                        <a:schemeClr val="tx1"/>
-                      </a:solidFill>
-                      <a:prstDash val="solid"/>
-                      <a:round/>
-                      <a:headEnd type="none" w="med" len="med"/>
-                      <a:tailEnd type="none" w="med" len="med"/>
-                    </a:lnB>
-                  </a:tcPr>
-                </a:tc>
-                <a:extLst>
-                  <a:ext uri="{0D108BD9-81ED-4DB2-BD59-A6C34878D82A}">
-                    <a16:rowId xmlns:a16="http://schemas.microsoft.com/office/drawing/2014/main" val="2623257747"/>
-                  </a:ext>
-                </a:extLst>
-              </a:tr>
-              <a:tr h="190500">
-                <a:tc>
-                  <a:txBody>
-                    <a:bodyPr/>
-                    <a:lstStyle/>
-                    <a:p>
-                      <a:pPr fontAlgn="t"/>
-                      <a:r>
-                        <a:rPr lang="en-US" sz="2000" b="1" dirty="0">
-                          <a:solidFill>
-                            <a:schemeClr val="tx1"/>
-                          </a:solidFill>
-                          <a:effectLst/>
-                        </a:rPr>
-                        <a:t>A-frame basics </a:t>
-                      </a:r>
-                      <a:endParaRPr lang="en-US" sz="2000" dirty="0">
-                        <a:solidFill>
-                          <a:schemeClr val="tx1"/>
-                        </a:solidFill>
-                        <a:effectLst/>
-                      </a:endParaRPr>
-                    </a:p>
-                  </a:txBody>
-                  <a:tcPr>
-                    <a:lnL w="12700" cap="flat" cmpd="sng" algn="ctr">
-                      <a:solidFill>
-                        <a:schemeClr val="tx1"/>
-                      </a:solidFill>
-                      <a:prstDash val="solid"/>
-                      <a:round/>
-                      <a:headEnd type="none" w="med" len="med"/>
-                      <a:tailEnd type="none" w="med" len="med"/>
-                    </a:lnL>
-                    <a:lnR w="12700" cap="flat" cmpd="sng" algn="ctr">
-                      <a:solidFill>
-                        <a:schemeClr val="tx1"/>
-                      </a:solidFill>
-                      <a:prstDash val="solid"/>
-                      <a:round/>
-                      <a:headEnd type="none" w="med" len="med"/>
-                      <a:tailEnd type="none" w="med" len="med"/>
-                    </a:lnR>
-                    <a:lnT w="12700" cap="flat" cmpd="sng" algn="ctr">
-                      <a:solidFill>
-                        <a:schemeClr val="tx1"/>
-                      </a:solidFill>
-                      <a:prstDash val="solid"/>
-                      <a:round/>
-                      <a:headEnd type="none" w="med" len="med"/>
-                      <a:tailEnd type="none" w="med" len="med"/>
-                    </a:lnT>
-                    <a:lnB w="12700" cap="flat" cmpd="sng" algn="ctr">
-                      <a:solidFill>
-                        <a:schemeClr val="tx1"/>
-                      </a:solidFill>
-                      <a:prstDash val="solid"/>
-                      <a:round/>
-                      <a:headEnd type="none" w="med" len="med"/>
-                      <a:tailEnd type="none" w="med" len="med"/>
-                    </a:lnB>
-                    <a:noFill/>
-                  </a:tcPr>
-                </a:tc>
-                <a:tc>
-                  <a:txBody>
-                    <a:bodyPr/>
-                    <a:lstStyle/>
-                    <a:p>
-                      <a:pPr fontAlgn="t"/>
-                      <a:endParaRPr lang="en-US" sz="2000" b="0" i="0" dirty="0">
-                        <a:solidFill>
-                          <a:schemeClr val="tx1"/>
-                        </a:solidFill>
-                        <a:effectLst/>
-                        <a:latin typeface="Calibri"/>
-                      </a:endParaRPr>
-                    </a:p>
-                  </a:txBody>
-                  <a:tcPr>
-                    <a:lnL w="12700" cap="flat" cmpd="sng" algn="ctr">
-                      <a:solidFill>
-                        <a:schemeClr val="tx1"/>
-                      </a:solidFill>
-                      <a:prstDash val="solid"/>
-                      <a:round/>
-                      <a:headEnd type="none" w="med" len="med"/>
-                      <a:tailEnd type="none" w="med" len="med"/>
-                    </a:lnL>
-                    <a:lnR w="12700" cap="flat" cmpd="sng" algn="ctr">
-                      <a:solidFill>
-                        <a:schemeClr val="tx1"/>
-                      </a:solidFill>
-                      <a:prstDash val="solid"/>
-                      <a:round/>
-                      <a:headEnd type="none" w="med" len="med"/>
-                      <a:tailEnd type="none" w="med" len="med"/>
-                    </a:lnR>
-                    <a:lnT w="12700" cap="flat" cmpd="sng" algn="ctr">
-                      <a:solidFill>
-                        <a:schemeClr val="tx1"/>
-                      </a:solidFill>
-                      <a:prstDash val="solid"/>
-                      <a:round/>
-                      <a:headEnd type="none" w="med" len="med"/>
-                      <a:tailEnd type="none" w="med" len="med"/>
-                    </a:lnT>
-                    <a:lnB w="12700" cap="flat" cmpd="sng" algn="ctr">
-                      <a:solidFill>
-                        <a:schemeClr val="tx1"/>
-                      </a:solidFill>
-                      <a:prstDash val="solid"/>
-                      <a:round/>
-                      <a:headEnd type="none" w="med" len="med"/>
-                      <a:tailEnd type="none" w="med" len="med"/>
-                    </a:lnB>
-                    <a:noFill/>
-                  </a:tcPr>
-                </a:tc>
-                <a:extLst>
-                  <a:ext uri="{0D108BD9-81ED-4DB2-BD59-A6C34878D82A}">
-                    <a16:rowId xmlns:a16="http://schemas.microsoft.com/office/drawing/2014/main" val="4127385376"/>
-                  </a:ext>
-                </a:extLst>
-              </a:tr>
-              <a:tr h="190500">
-                <a:tc>
-                  <a:txBody>
-                    <a:bodyPr/>
-                    <a:lstStyle/>
-                    <a:p>
-                      <a:pPr fontAlgn="t"/>
-                      <a:r>
-                        <a:rPr lang="en-US" sz="2000" b="1" dirty="0">
-                          <a:effectLst/>
-                        </a:rPr>
-                        <a:t>Foundations </a:t>
-                      </a:r>
-                      <a:endParaRPr lang="en-US" sz="2000" dirty="0">
-                        <a:effectLst/>
-                      </a:endParaRPr>
-                    </a:p>
-                  </a:txBody>
-                  <a:tcPr>
-                    <a:lnL w="12700" cap="flat" cmpd="sng" algn="ctr">
-                      <a:solidFill>
-                        <a:schemeClr val="tx1"/>
-                      </a:solidFill>
-                      <a:prstDash val="solid"/>
-                      <a:round/>
-                      <a:headEnd type="none" w="med" len="med"/>
-                      <a:tailEnd type="none" w="med" len="med"/>
-                    </a:lnL>
-                    <a:lnR w="12700" cap="flat" cmpd="sng" algn="ctr">
-                      <a:solidFill>
-                        <a:schemeClr val="tx1"/>
-                      </a:solidFill>
-                      <a:prstDash val="solid"/>
-                      <a:round/>
-                      <a:headEnd type="none" w="med" len="med"/>
-                      <a:tailEnd type="none" w="med" len="med"/>
-                    </a:lnR>
-                    <a:lnT w="12700" cap="flat" cmpd="sng" algn="ctr">
-                      <a:solidFill>
-                        <a:schemeClr val="tx1"/>
-                      </a:solidFill>
-                      <a:prstDash val="solid"/>
-                      <a:round/>
-                      <a:headEnd type="none" w="med" len="med"/>
-                      <a:tailEnd type="none" w="med" len="med"/>
-                    </a:lnT>
-                    <a:lnB w="12700" cap="flat" cmpd="sng" algn="ctr">
-                      <a:solidFill>
-                        <a:schemeClr val="tx1"/>
-                      </a:solidFill>
-                      <a:prstDash val="solid"/>
-                      <a:round/>
-                      <a:headEnd type="none" w="med" len="med"/>
-                      <a:tailEnd type="none" w="med" len="med"/>
-                    </a:lnB>
-                  </a:tcPr>
-                </a:tc>
-                <a:tc>
-                  <a:txBody>
-                    <a:bodyPr/>
-                    <a:lstStyle/>
-                    <a:p>
-                      <a:pPr fontAlgn="t"/>
-                      <a:endParaRPr lang="en-US" sz="2000" dirty="0">
-                        <a:effectLst/>
-                      </a:endParaRPr>
-                    </a:p>
-                  </a:txBody>
-                  <a:tcPr>
-                    <a:lnL w="12700" cap="flat" cmpd="sng" algn="ctr">
-                      <a:solidFill>
-                        <a:schemeClr val="tx1"/>
-                      </a:solidFill>
-                      <a:prstDash val="solid"/>
-                      <a:round/>
-                      <a:headEnd type="none" w="med" len="med"/>
-                      <a:tailEnd type="none" w="med" len="med"/>
-                    </a:lnL>
-                    <a:lnR w="12700" cap="flat" cmpd="sng" algn="ctr">
-                      <a:solidFill>
-                        <a:schemeClr val="tx1"/>
-                      </a:solidFill>
-                      <a:prstDash val="solid"/>
-                      <a:round/>
-                      <a:headEnd type="none" w="med" len="med"/>
-                      <a:tailEnd type="none" w="med" len="med"/>
-                    </a:lnR>
-                    <a:lnT w="12700" cap="flat" cmpd="sng" algn="ctr">
-                      <a:solidFill>
-                        <a:schemeClr val="tx1"/>
-                      </a:solidFill>
-                      <a:prstDash val="solid"/>
-                      <a:round/>
-                      <a:headEnd type="none" w="med" len="med"/>
-                      <a:tailEnd type="none" w="med" len="med"/>
-                    </a:lnT>
-                    <a:lnB w="12700" cap="flat" cmpd="sng" algn="ctr">
-                      <a:solidFill>
-                        <a:schemeClr val="tx1"/>
-                      </a:solidFill>
-                      <a:prstDash val="solid"/>
-                      <a:round/>
-                      <a:headEnd type="none" w="med" len="med"/>
-                      <a:tailEnd type="none" w="med" len="med"/>
-                    </a:lnB>
-                  </a:tcPr>
-                </a:tc>
-                <a:extLst>
-                  <a:ext uri="{0D108BD9-81ED-4DB2-BD59-A6C34878D82A}">
-                    <a16:rowId xmlns:a16="http://schemas.microsoft.com/office/drawing/2014/main" val="3532966366"/>
-                  </a:ext>
-                </a:extLst>
-              </a:tr>
-              <a:tr h="190500">
-                <a:tc>
-                  <a:txBody>
-                    <a:bodyPr/>
-                    <a:lstStyle/>
-                    <a:p>
-                      <a:pPr fontAlgn="t"/>
-                      <a:r>
-                        <a:rPr lang="en-US" sz="2000" b="1" dirty="0">
-                          <a:solidFill>
-                            <a:schemeClr val="bg1"/>
-                          </a:solidFill>
-                          <a:effectLst/>
-                        </a:rPr>
-                        <a:t>A-frame components</a:t>
-                      </a:r>
-                      <a:endParaRPr lang="en-US" sz="2000" dirty="0">
-                        <a:solidFill>
-                          <a:schemeClr val="bg1"/>
-                        </a:solidFill>
-                        <a:effectLst/>
-                      </a:endParaRPr>
-                    </a:p>
-                  </a:txBody>
-                  <a:tcPr>
-                    <a:lnL w="12700" cap="flat" cmpd="sng" algn="ctr">
-                      <a:solidFill>
-                        <a:schemeClr val="tx1"/>
-                      </a:solidFill>
-                      <a:prstDash val="solid"/>
-                      <a:round/>
-                      <a:headEnd type="none" w="med" len="med"/>
-                      <a:tailEnd type="none" w="med" len="med"/>
-                    </a:lnL>
-                    <a:lnR w="12700" cap="flat" cmpd="sng" algn="ctr">
-                      <a:solidFill>
-                        <a:schemeClr val="tx1"/>
-                      </a:solidFill>
-                      <a:prstDash val="solid"/>
-                      <a:round/>
-                      <a:headEnd type="none" w="med" len="med"/>
-                      <a:tailEnd type="none" w="med" len="med"/>
-                    </a:lnR>
-                    <a:lnT w="12700" cap="flat" cmpd="sng" algn="ctr">
-                      <a:solidFill>
-                        <a:schemeClr val="tx1"/>
-                      </a:solidFill>
-                      <a:prstDash val="solid"/>
-                      <a:round/>
-                      <a:headEnd type="none" w="med" len="med"/>
-                      <a:tailEnd type="none" w="med" len="med"/>
-                    </a:lnT>
-                    <a:lnB w="12700" cap="flat" cmpd="sng" algn="ctr">
-                      <a:solidFill>
-                        <a:schemeClr val="tx1"/>
-                      </a:solidFill>
-                      <a:prstDash val="solid"/>
-                      <a:round/>
-                      <a:headEnd type="none" w="med" len="med"/>
-                      <a:tailEnd type="none" w="med" len="med"/>
-                    </a:lnB>
-                    <a:solidFill>
-                      <a:srgbClr val="00B0F0"/>
-                    </a:solidFill>
-                  </a:tcPr>
-                </a:tc>
-                <a:tc>
-                  <a:txBody>
-                    <a:bodyPr/>
-                    <a:lstStyle/>
-                    <a:p>
-                      <a:pPr fontAlgn="t"/>
-                      <a:endParaRPr lang="en-US" sz="2000" dirty="0">
-                        <a:solidFill>
-                          <a:schemeClr val="bg1"/>
-                        </a:solidFill>
-                        <a:effectLst/>
-                      </a:endParaRPr>
-                    </a:p>
-                  </a:txBody>
-                  <a:tcPr>
-                    <a:lnL w="12700" cap="flat" cmpd="sng" algn="ctr">
-                      <a:solidFill>
-                        <a:schemeClr val="tx1"/>
-                      </a:solidFill>
-                      <a:prstDash val="solid"/>
-                      <a:round/>
-                      <a:headEnd type="none" w="med" len="med"/>
-                      <a:tailEnd type="none" w="med" len="med"/>
-                    </a:lnL>
-                    <a:lnR w="12700" cap="flat" cmpd="sng" algn="ctr">
-                      <a:solidFill>
-                        <a:schemeClr val="tx1"/>
-                      </a:solidFill>
-                      <a:prstDash val="solid"/>
-                      <a:round/>
-                      <a:headEnd type="none" w="med" len="med"/>
-                      <a:tailEnd type="none" w="med" len="med"/>
-                    </a:lnR>
-                    <a:lnT w="12700" cap="flat" cmpd="sng" algn="ctr">
-                      <a:solidFill>
-                        <a:schemeClr val="tx1"/>
-                      </a:solidFill>
-                      <a:prstDash val="solid"/>
-                      <a:round/>
-                      <a:headEnd type="none" w="med" len="med"/>
-                      <a:tailEnd type="none" w="med" len="med"/>
-                    </a:lnT>
-                    <a:lnB w="12700" cap="flat" cmpd="sng" algn="ctr">
-                      <a:solidFill>
-                        <a:schemeClr val="tx1"/>
-                      </a:solidFill>
-                      <a:prstDash val="solid"/>
-                      <a:round/>
-                      <a:headEnd type="none" w="med" len="med"/>
-                      <a:tailEnd type="none" w="med" len="med"/>
-                    </a:lnB>
-                    <a:solidFill>
-                      <a:srgbClr val="00B0F0"/>
-                    </a:solidFill>
-                  </a:tcPr>
-                </a:tc>
-                <a:extLst>
-                  <a:ext uri="{0D108BD9-81ED-4DB2-BD59-A6C34878D82A}">
-                    <a16:rowId xmlns:a16="http://schemas.microsoft.com/office/drawing/2014/main" val="1519694425"/>
-                  </a:ext>
-                </a:extLst>
-              </a:tr>
-              <a:tr h="190500">
-                <a:tc>
-                  <a:txBody>
-                    <a:bodyPr/>
-                    <a:lstStyle/>
-                    <a:p>
-                      <a:pPr fontAlgn="t"/>
-                      <a:r>
-                        <a:rPr lang="en-US" sz="2000" b="1" dirty="0">
-                          <a:effectLst/>
-                        </a:rPr>
-                        <a:t>Three.JS and A-frame</a:t>
-                      </a:r>
-                    </a:p>
-                  </a:txBody>
-                  <a:tcPr>
-                    <a:lnL w="12700" cap="flat" cmpd="sng" algn="ctr">
-                      <a:solidFill>
-                        <a:schemeClr val="tx1"/>
-                      </a:solidFill>
-                      <a:prstDash val="solid"/>
-                      <a:round/>
-                      <a:headEnd type="none" w="med" len="med"/>
-                      <a:tailEnd type="none" w="med" len="med"/>
-                    </a:lnL>
-                    <a:lnR w="12700" cap="flat" cmpd="sng" algn="ctr">
-                      <a:solidFill>
-                        <a:schemeClr val="tx1"/>
-                      </a:solidFill>
-                      <a:prstDash val="solid"/>
-                      <a:round/>
-                      <a:headEnd type="none" w="med" len="med"/>
-                      <a:tailEnd type="none" w="med" len="med"/>
-                    </a:lnR>
-                    <a:lnT w="12700" cap="flat" cmpd="sng" algn="ctr">
-                      <a:solidFill>
-                        <a:schemeClr val="tx1"/>
-                      </a:solidFill>
-                      <a:prstDash val="solid"/>
-                      <a:round/>
-                      <a:headEnd type="none" w="med" len="med"/>
-                      <a:tailEnd type="none" w="med" len="med"/>
-                    </a:lnT>
-                    <a:lnB w="12700" cap="flat" cmpd="sng" algn="ctr">
-                      <a:solidFill>
-                        <a:schemeClr val="tx1"/>
-                      </a:solidFill>
-                      <a:prstDash val="solid"/>
-                      <a:round/>
-                      <a:headEnd type="none" w="med" len="med"/>
-                      <a:tailEnd type="none" w="med" len="med"/>
-                    </a:lnB>
-                  </a:tcPr>
-                </a:tc>
-                <a:tc>
-                  <a:txBody>
-                    <a:bodyPr/>
-                    <a:lstStyle/>
-                    <a:p>
-                      <a:pPr fontAlgn="t"/>
-                      <a:endParaRPr lang="en-US" sz="2000" dirty="0">
-                        <a:effectLst/>
-                      </a:endParaRPr>
-                    </a:p>
-                  </a:txBody>
-                  <a:tcPr>
-                    <a:lnL w="12700" cap="flat" cmpd="sng" algn="ctr">
-                      <a:solidFill>
-                        <a:schemeClr val="tx1"/>
-                      </a:solidFill>
-                      <a:prstDash val="solid"/>
-                      <a:round/>
-                      <a:headEnd type="none" w="med" len="med"/>
-                      <a:tailEnd type="none" w="med" len="med"/>
-                    </a:lnL>
-                    <a:lnR w="12700" cap="flat" cmpd="sng" algn="ctr">
-                      <a:solidFill>
-                        <a:schemeClr val="tx1"/>
-                      </a:solidFill>
-                      <a:prstDash val="solid"/>
-                      <a:round/>
-                      <a:headEnd type="none" w="med" len="med"/>
-                      <a:tailEnd type="none" w="med" len="med"/>
-                    </a:lnR>
-                    <a:lnT w="12700" cap="flat" cmpd="sng" algn="ctr">
-                      <a:solidFill>
-                        <a:schemeClr val="tx1"/>
-                      </a:solidFill>
-                      <a:prstDash val="solid"/>
-                      <a:round/>
-                      <a:headEnd type="none" w="med" len="med"/>
-                      <a:tailEnd type="none" w="med" len="med"/>
-                    </a:lnT>
-                    <a:lnB w="12700" cap="flat" cmpd="sng" algn="ctr">
-                      <a:solidFill>
-                        <a:schemeClr val="tx1"/>
-                      </a:solidFill>
-                      <a:prstDash val="solid"/>
-                      <a:round/>
-                      <a:headEnd type="none" w="med" len="med"/>
-                      <a:tailEnd type="none" w="med" len="med"/>
-                    </a:lnB>
-                  </a:tcPr>
-                </a:tc>
-                <a:extLst>
-                  <a:ext uri="{0D108BD9-81ED-4DB2-BD59-A6C34878D82A}">
-                    <a16:rowId xmlns:a16="http://schemas.microsoft.com/office/drawing/2014/main" val="426141738"/>
-                  </a:ext>
-                </a:extLst>
-              </a:tr>
-              <a:tr h="190500">
-                <a:tc>
-                  <a:txBody>
-                    <a:bodyPr/>
-                    <a:lstStyle/>
-                    <a:p>
-                      <a:pPr fontAlgn="t"/>
-                      <a:r>
-                        <a:rPr lang="en-US" sz="2000" b="1" dirty="0">
-                          <a:effectLst/>
-                        </a:rPr>
-                        <a:t>Entity component architecture (ECA) </a:t>
-                      </a:r>
-                      <a:endParaRPr lang="en-US" sz="2000" dirty="0">
-                        <a:effectLst/>
-                      </a:endParaRPr>
-                    </a:p>
-                  </a:txBody>
-                  <a:tcPr>
-                    <a:lnL w="12700" cap="flat" cmpd="sng" algn="ctr">
-                      <a:solidFill>
-                        <a:schemeClr val="tx1"/>
-                      </a:solidFill>
-                      <a:prstDash val="solid"/>
-                      <a:round/>
-                      <a:headEnd type="none" w="med" len="med"/>
-                      <a:tailEnd type="none" w="med" len="med"/>
-                    </a:lnL>
-                    <a:lnR w="12700" cap="flat" cmpd="sng" algn="ctr">
-                      <a:solidFill>
-                        <a:schemeClr val="tx1"/>
-                      </a:solidFill>
-                      <a:prstDash val="solid"/>
-                      <a:round/>
-                      <a:headEnd type="none" w="med" len="med"/>
-                      <a:tailEnd type="none" w="med" len="med"/>
-                    </a:lnR>
-                    <a:lnT w="12700" cap="flat" cmpd="sng" algn="ctr">
-                      <a:solidFill>
-                        <a:schemeClr val="tx1"/>
-                      </a:solidFill>
-                      <a:prstDash val="solid"/>
-                      <a:round/>
-                      <a:headEnd type="none" w="med" len="med"/>
-                      <a:tailEnd type="none" w="med" len="med"/>
-                    </a:lnT>
-                    <a:lnB w="12700" cap="flat" cmpd="sng" algn="ctr">
-                      <a:solidFill>
-                        <a:schemeClr val="tx1"/>
-                      </a:solidFill>
-                      <a:prstDash val="solid"/>
-                      <a:round/>
-                      <a:headEnd type="none" w="med" len="med"/>
-                      <a:tailEnd type="none" w="med" len="med"/>
-                    </a:lnB>
-                  </a:tcPr>
-                </a:tc>
-                <a:tc>
-                  <a:txBody>
-                    <a:bodyPr/>
-                    <a:lstStyle/>
-                    <a:p>
-                      <a:pPr fontAlgn="t"/>
-                      <a:endParaRPr lang="en-US" sz="2000" dirty="0">
-                        <a:effectLst/>
-                      </a:endParaRPr>
-                    </a:p>
-                  </a:txBody>
-                  <a:tcPr>
-                    <a:lnL w="12700" cap="flat" cmpd="sng" algn="ctr">
-                      <a:solidFill>
-                        <a:schemeClr val="tx1"/>
-                      </a:solidFill>
-                      <a:prstDash val="solid"/>
-                      <a:round/>
-                      <a:headEnd type="none" w="med" len="med"/>
-                      <a:tailEnd type="none" w="med" len="med"/>
-                    </a:lnL>
-                    <a:lnR w="12700" cap="flat" cmpd="sng" algn="ctr">
-                      <a:solidFill>
-                        <a:schemeClr val="tx1"/>
-                      </a:solidFill>
-                      <a:prstDash val="solid"/>
-                      <a:round/>
-                      <a:headEnd type="none" w="med" len="med"/>
-                      <a:tailEnd type="none" w="med" len="med"/>
-                    </a:lnR>
-                    <a:lnT w="12700" cap="flat" cmpd="sng" algn="ctr">
-                      <a:solidFill>
-                        <a:schemeClr val="tx1"/>
-                      </a:solidFill>
-                      <a:prstDash val="solid"/>
-                      <a:round/>
-                      <a:headEnd type="none" w="med" len="med"/>
-                      <a:tailEnd type="none" w="med" len="med"/>
-                    </a:lnT>
-                    <a:lnB w="12700" cap="flat" cmpd="sng" algn="ctr">
-                      <a:solidFill>
-                        <a:schemeClr val="tx1"/>
-                      </a:solidFill>
-                      <a:prstDash val="solid"/>
-                      <a:round/>
-                      <a:headEnd type="none" w="med" len="med"/>
-                      <a:tailEnd type="none" w="med" len="med"/>
-                    </a:lnB>
-                  </a:tcPr>
-                </a:tc>
-                <a:extLst>
-                  <a:ext uri="{0D108BD9-81ED-4DB2-BD59-A6C34878D82A}">
-                    <a16:rowId xmlns:a16="http://schemas.microsoft.com/office/drawing/2014/main" val="43686111"/>
-                  </a:ext>
-                </a:extLst>
-              </a:tr>
-              <a:tr h="190500">
-                <a:tc>
-                  <a:txBody>
-                    <a:bodyPr/>
-                    <a:lstStyle/>
-                    <a:p>
-                      <a:pPr lvl="0">
-                        <a:buNone/>
-                      </a:pPr>
-                      <a:r>
-                        <a:rPr lang="en-US" sz="2000" b="1" dirty="0">
-                          <a:effectLst/>
-                        </a:rPr>
-                        <a:t>A-frame and planets </a:t>
-                      </a:r>
-                      <a:endParaRPr lang="en-US" sz="2000" dirty="0">
-                        <a:effectLst/>
-                      </a:endParaRPr>
-                    </a:p>
-                  </a:txBody>
-                  <a:tcPr>
-                    <a:lnL w="12700" cap="flat" cmpd="sng" algn="ctr">
-                      <a:solidFill>
-                        <a:schemeClr val="tx1"/>
-                      </a:solidFill>
-                      <a:prstDash val="solid"/>
-                      <a:round/>
-                      <a:headEnd type="none" w="med" len="med"/>
-                      <a:tailEnd type="none" w="med" len="med"/>
-                    </a:lnL>
-                    <a:lnR w="12700" cap="flat" cmpd="sng" algn="ctr">
-                      <a:solidFill>
-                        <a:schemeClr val="tx1"/>
-                      </a:solidFill>
-                      <a:prstDash val="solid"/>
-                      <a:round/>
-                      <a:headEnd type="none" w="med" len="med"/>
-                      <a:tailEnd type="none" w="med" len="med"/>
-                    </a:lnR>
-                    <a:lnT w="12700" cap="flat" cmpd="sng" algn="ctr">
-                      <a:solidFill>
-                        <a:schemeClr val="tx1"/>
-                      </a:solidFill>
-                      <a:prstDash val="solid"/>
-                      <a:round/>
-                      <a:headEnd type="none" w="med" len="med"/>
-                      <a:tailEnd type="none" w="med" len="med"/>
-                    </a:lnT>
-                    <a:lnB w="12700" cap="flat" cmpd="sng" algn="ctr">
-                      <a:solidFill>
-                        <a:schemeClr val="tx1"/>
-                      </a:solidFill>
-                      <a:prstDash val="solid"/>
-                      <a:round/>
-                      <a:headEnd type="none" w="med" len="med"/>
-                      <a:tailEnd type="none" w="med" len="med"/>
-                    </a:lnB>
-                  </a:tcPr>
-                </a:tc>
-                <a:tc>
-                  <a:txBody>
-                    <a:bodyPr/>
-                    <a:lstStyle/>
-                    <a:p>
-                      <a:pPr lvl="0">
-                        <a:buNone/>
-                      </a:pPr>
-                      <a:endParaRPr lang="en-US" dirty="0"/>
-                    </a:p>
-                  </a:txBody>
-                  <a:tcPr>
-                    <a:lnL w="12700" cap="flat" cmpd="sng" algn="ctr">
-                      <a:solidFill>
-                        <a:schemeClr val="tx1"/>
-                      </a:solidFill>
-                      <a:prstDash val="solid"/>
-                      <a:round/>
-                      <a:headEnd type="none" w="med" len="med"/>
-                      <a:tailEnd type="none" w="med" len="med"/>
-                    </a:lnL>
-                    <a:lnR w="12700" cap="flat" cmpd="sng" algn="ctr">
-                      <a:solidFill>
-                        <a:schemeClr val="tx1"/>
-                      </a:solidFill>
-                      <a:prstDash val="solid"/>
-                      <a:round/>
-                      <a:headEnd type="none" w="med" len="med"/>
-                      <a:tailEnd type="none" w="med" len="med"/>
-                    </a:lnR>
-                    <a:lnT w="12700" cap="flat" cmpd="sng" algn="ctr">
-                      <a:solidFill>
-                        <a:schemeClr val="tx1"/>
-                      </a:solidFill>
-                      <a:prstDash val="solid"/>
-                      <a:round/>
-                      <a:headEnd type="none" w="med" len="med"/>
-                      <a:tailEnd type="none" w="med" len="med"/>
-                    </a:lnT>
-                    <a:lnB w="12700" cap="flat" cmpd="sng" algn="ctr">
-                      <a:solidFill>
-                        <a:schemeClr val="tx1"/>
-                      </a:solidFill>
-                      <a:prstDash val="solid"/>
-                      <a:round/>
-                      <a:headEnd type="none" w="med" len="med"/>
-                      <a:tailEnd type="none" w="med" len="med"/>
-                    </a:lnB>
-                  </a:tcPr>
-                </a:tc>
-                <a:extLst>
-                  <a:ext uri="{0D108BD9-81ED-4DB2-BD59-A6C34878D82A}">
-                    <a16:rowId xmlns:a16="http://schemas.microsoft.com/office/drawing/2014/main" val="3391168925"/>
-                  </a:ext>
-                </a:extLst>
-              </a:tr>
-              <a:tr h="190500">
-                <a:tc>
-                  <a:txBody>
-                    <a:bodyPr/>
-                    <a:lstStyle/>
-                    <a:p>
-                      <a:pPr fontAlgn="t"/>
-                      <a:r>
-                        <a:rPr lang="en-US" sz="2000" b="1" dirty="0">
-                          <a:effectLst/>
-                        </a:rPr>
-                        <a:t>A-frame and animations </a:t>
-                      </a:r>
-                      <a:endParaRPr lang="en-US" sz="2000" dirty="0">
-                        <a:effectLst/>
-                      </a:endParaRPr>
-                    </a:p>
-                  </a:txBody>
-                  <a:tcPr>
-                    <a:lnL w="12700" cap="flat" cmpd="sng" algn="ctr">
-                      <a:solidFill>
-                        <a:schemeClr val="tx1"/>
-                      </a:solidFill>
-                      <a:prstDash val="solid"/>
-                      <a:round/>
-                      <a:headEnd type="none" w="med" len="med"/>
-                      <a:tailEnd type="none" w="med" len="med"/>
-                    </a:lnL>
-                    <a:lnR w="12700" cap="flat" cmpd="sng" algn="ctr">
-                      <a:solidFill>
-                        <a:schemeClr val="tx1"/>
-                      </a:solidFill>
-                      <a:prstDash val="solid"/>
-                      <a:round/>
-                      <a:headEnd type="none" w="med" len="med"/>
-                      <a:tailEnd type="none" w="med" len="med"/>
-                    </a:lnR>
-                    <a:lnT w="12700" cap="flat" cmpd="sng" algn="ctr">
-                      <a:solidFill>
-                        <a:schemeClr val="tx1"/>
-                      </a:solidFill>
-                      <a:prstDash val="solid"/>
-                      <a:round/>
-                      <a:headEnd type="none" w="med" len="med"/>
-                      <a:tailEnd type="none" w="med" len="med"/>
-                    </a:lnT>
-                    <a:lnB w="12700" cap="flat" cmpd="sng" algn="ctr">
-                      <a:solidFill>
-                        <a:schemeClr val="tx1"/>
-                      </a:solidFill>
-                      <a:prstDash val="solid"/>
-                      <a:round/>
-                      <a:headEnd type="none" w="med" len="med"/>
-                      <a:tailEnd type="none" w="med" len="med"/>
-                    </a:lnB>
-                  </a:tcPr>
-                </a:tc>
-                <a:tc>
-                  <a:txBody>
-                    <a:bodyPr/>
-                    <a:lstStyle/>
-                    <a:p>
-                      <a:pPr fontAlgn="t"/>
-                      <a:endParaRPr lang="en-US" sz="2000" dirty="0">
-                        <a:effectLst/>
-                      </a:endParaRPr>
-                    </a:p>
-                  </a:txBody>
-                  <a:tcPr>
-                    <a:lnL w="12700" cap="flat" cmpd="sng" algn="ctr">
-                      <a:solidFill>
-                        <a:schemeClr val="tx1"/>
-                      </a:solidFill>
-                      <a:prstDash val="solid"/>
-                      <a:round/>
-                      <a:headEnd type="none" w="med" len="med"/>
-                      <a:tailEnd type="none" w="med" len="med"/>
-                    </a:lnL>
-                    <a:lnR w="12700" cap="flat" cmpd="sng" algn="ctr">
-                      <a:solidFill>
-                        <a:schemeClr val="tx1"/>
-                      </a:solidFill>
-                      <a:prstDash val="solid"/>
-                      <a:round/>
-                      <a:headEnd type="none" w="med" len="med"/>
-                      <a:tailEnd type="none" w="med" len="med"/>
-                    </a:lnR>
-                    <a:lnT w="12700" cap="flat" cmpd="sng" algn="ctr">
-                      <a:solidFill>
-                        <a:schemeClr val="tx1"/>
-                      </a:solidFill>
-                      <a:prstDash val="solid"/>
-                      <a:round/>
-                      <a:headEnd type="none" w="med" len="med"/>
-                      <a:tailEnd type="none" w="med" len="med"/>
-                    </a:lnT>
-                    <a:lnB w="12700" cap="flat" cmpd="sng" algn="ctr">
-                      <a:solidFill>
-                        <a:schemeClr val="tx1"/>
-                      </a:solidFill>
-                      <a:prstDash val="solid"/>
-                      <a:round/>
-                      <a:headEnd type="none" w="med" len="med"/>
-                      <a:tailEnd type="none" w="med" len="med"/>
-                    </a:lnB>
-                  </a:tcPr>
-                </a:tc>
-                <a:extLst>
-                  <a:ext uri="{0D108BD9-81ED-4DB2-BD59-A6C34878D82A}">
-                    <a16:rowId xmlns:a16="http://schemas.microsoft.com/office/drawing/2014/main" val="2809005009"/>
-                  </a:ext>
-                </a:extLst>
-              </a:tr>
-              <a:tr h="190500">
-                <a:tc>
-                  <a:txBody>
-                    <a:bodyPr/>
-                    <a:lstStyle/>
-                    <a:p>
-                      <a:pPr fontAlgn="t"/>
-                      <a:r>
-                        <a:rPr lang="en-US" sz="2000" b="1" dirty="0">
-                          <a:effectLst/>
-                        </a:rPr>
-                        <a:t>Conclusion </a:t>
-                      </a:r>
-                      <a:endParaRPr lang="en-US" sz="2000" dirty="0">
-                        <a:effectLst/>
-                      </a:endParaRPr>
-                    </a:p>
-                  </a:txBody>
-                  <a:tcPr>
-                    <a:lnL w="12700" cap="flat" cmpd="sng" algn="ctr">
-                      <a:solidFill>
-                        <a:schemeClr val="tx1"/>
-                      </a:solidFill>
-                      <a:prstDash val="solid"/>
-                      <a:round/>
-                      <a:headEnd type="none" w="med" len="med"/>
-                      <a:tailEnd type="none" w="med" len="med"/>
-                    </a:lnL>
-                    <a:lnR w="12700" cap="flat" cmpd="sng" algn="ctr">
-                      <a:solidFill>
-                        <a:schemeClr val="tx1"/>
-                      </a:solidFill>
-                      <a:prstDash val="solid"/>
-                      <a:round/>
-                      <a:headEnd type="none" w="med" len="med"/>
-                      <a:tailEnd type="none" w="med" len="med"/>
-                    </a:lnR>
-                    <a:lnT w="12700" cap="flat" cmpd="sng" algn="ctr">
-                      <a:solidFill>
-                        <a:schemeClr val="tx1"/>
-                      </a:solidFill>
-                      <a:prstDash val="solid"/>
-                      <a:round/>
-                      <a:headEnd type="none" w="med" len="med"/>
-                      <a:tailEnd type="none" w="med" len="med"/>
-                    </a:lnT>
-                    <a:lnB w="12700" cap="flat" cmpd="sng" algn="ctr">
-                      <a:solidFill>
-                        <a:schemeClr val="tx1"/>
-                      </a:solidFill>
-                      <a:prstDash val="solid"/>
-                      <a:round/>
-                      <a:headEnd type="none" w="med" len="med"/>
-                      <a:tailEnd type="none" w="med" len="med"/>
-                    </a:lnB>
-                  </a:tcPr>
-                </a:tc>
-                <a:tc>
-                  <a:txBody>
-                    <a:bodyPr/>
-                    <a:lstStyle/>
-                    <a:p>
-                      <a:pPr fontAlgn="t"/>
-                      <a:endParaRPr lang="en-US" sz="2000" dirty="0">
-                        <a:effectLst/>
-                      </a:endParaRPr>
-                    </a:p>
-                  </a:txBody>
-                  <a:tcPr>
-                    <a:lnL w="12700" cap="flat" cmpd="sng" algn="ctr">
-                      <a:solidFill>
-                        <a:schemeClr val="tx1"/>
-                      </a:solidFill>
-                      <a:prstDash val="solid"/>
-                      <a:round/>
-                      <a:headEnd type="none" w="med" len="med"/>
-                      <a:tailEnd type="none" w="med" len="med"/>
-                    </a:lnL>
-                    <a:lnR w="12700" cap="flat" cmpd="sng" algn="ctr">
-                      <a:solidFill>
-                        <a:schemeClr val="tx1"/>
-                      </a:solidFill>
-                      <a:prstDash val="solid"/>
-                      <a:round/>
-                      <a:headEnd type="none" w="med" len="med"/>
-                      <a:tailEnd type="none" w="med" len="med"/>
-                    </a:lnR>
-                    <a:lnT w="12700" cap="flat" cmpd="sng" algn="ctr">
-                      <a:solidFill>
-                        <a:schemeClr val="tx1"/>
-                      </a:solidFill>
-                      <a:prstDash val="solid"/>
-                      <a:round/>
-                      <a:headEnd type="none" w="med" len="med"/>
-                      <a:tailEnd type="none" w="med" len="med"/>
-                    </a:lnT>
-                    <a:lnB w="12700" cap="flat" cmpd="sng" algn="ctr">
-                      <a:solidFill>
-                        <a:schemeClr val="tx1"/>
-                      </a:solidFill>
-                      <a:prstDash val="solid"/>
-                      <a:round/>
-                      <a:headEnd type="none" w="med" len="med"/>
-                      <a:tailEnd type="none" w="med" len="med"/>
-                    </a:lnB>
-                  </a:tcPr>
-                </a:tc>
-                <a:extLst>
-                  <a:ext uri="{0D108BD9-81ED-4DB2-BD59-A6C34878D82A}">
-                    <a16:rowId xmlns:a16="http://schemas.microsoft.com/office/drawing/2014/main" val="2632985617"/>
-                  </a:ext>
-                </a:extLst>
-              </a:tr>
-            </a:tbl>
-          </a:graphicData>
-        </a:graphic>
-      </p:graphicFrame>
+          <p:cNvSpPr>
+            <a:spLocks noGrp="1"/>
+          </p:cNvSpPr>
+          <p:nvPr>
+            <p:ph idx="1"/>
+          </p:nvPr>
+        </p:nvSpPr>
+        <p:spPr/>
+        <p:txBody>
+          <a:bodyPr vert="horz" lIns="91440" tIns="45720" rIns="91440" bIns="45720" rtlCol="0" anchor="t">
+            <a:normAutofit/>
+          </a:bodyPr>
+          <a:lstStyle/>
+          <a:p>
+            <a:pPr marL="0" indent="0">
+              <a:buNone/>
+            </a:pPr>
+            <a:endParaRPr lang="en-US" dirty="0">
+              <a:ea typeface="Calibri" panose="020F0502020204030204"/>
+              <a:cs typeface="Calibri" panose="020F0502020204030204"/>
+            </a:endParaRPr>
+          </a:p>
+          <a:p>
+            <a:pPr marL="0" indent="0">
+              <a:buNone/>
+            </a:pPr>
+            <a:r>
+              <a:rPr lang="en-US" dirty="0">
+                <a:ea typeface="Calibri" panose="020F0502020204030204"/>
+                <a:cs typeface="Calibri" panose="020F0502020204030204"/>
+              </a:rPr>
+              <a:t>Cameras</a:t>
+            </a:r>
+          </a:p>
+          <a:p>
+            <a:pPr marL="0" indent="0">
+              <a:buNone/>
+            </a:pPr>
+            <a:endParaRPr lang="en-US" dirty="0">
+              <a:ea typeface="Calibri" panose="020F0502020204030204"/>
+              <a:cs typeface="Calibri" panose="020F0502020204030204"/>
+            </a:endParaRPr>
+          </a:p>
+          <a:p>
+            <a:pPr marL="0" indent="0">
+              <a:buNone/>
+            </a:pPr>
+            <a:r>
+              <a:rPr lang="en-US" dirty="0">
+                <a:ea typeface="Calibri" panose="020F0502020204030204"/>
+                <a:cs typeface="Calibri" panose="020F0502020204030204"/>
+              </a:rPr>
+              <a:t>Parts of A-frame components</a:t>
+            </a:r>
+          </a:p>
+          <a:p>
+            <a:pPr marL="0" indent="0">
+              <a:buNone/>
+            </a:pPr>
+            <a:endParaRPr lang="en-US" dirty="0">
+              <a:ea typeface="Calibri" panose="020F0502020204030204"/>
+              <a:cs typeface="Calibri" panose="020F0502020204030204"/>
+            </a:endParaRPr>
+          </a:p>
+          <a:p>
+            <a:pPr marL="0" indent="0">
+              <a:buNone/>
+            </a:pPr>
+            <a:r>
+              <a:rPr lang="en-US" dirty="0">
+                <a:ea typeface="Calibri" panose="020F0502020204030204"/>
+                <a:cs typeface="Calibri" panose="020F0502020204030204"/>
+              </a:rPr>
+              <a:t>Defining a new a-frame component </a:t>
+            </a:r>
+          </a:p>
+          <a:p>
+            <a:pPr marL="0" indent="0">
+              <a:buNone/>
+            </a:pPr>
+            <a:endParaRPr lang="en-US" dirty="0">
+              <a:ea typeface="Calibri" panose="020F0502020204030204"/>
+              <a:cs typeface="Calibri" panose="020F0502020204030204"/>
+            </a:endParaRPr>
+          </a:p>
+          <a:p>
+            <a:pPr marL="0" indent="0">
+              <a:buNone/>
+            </a:pPr>
+            <a:endParaRPr lang="en-US" dirty="0">
+              <a:ea typeface="Calibri" panose="020F0502020204030204"/>
+              <a:cs typeface="Calibri" panose="020F0502020204030204"/>
+            </a:endParaRPr>
+          </a:p>
+        </p:txBody>
+      </p:sp>
     </p:spTree>
     <p:extLst>
       <p:ext uri="{BB962C8B-B14F-4D97-AF65-F5344CB8AC3E}">
-        <p14:creationId xmlns:p14="http://schemas.microsoft.com/office/powerpoint/2010/main" val="3486731743"/>
+        <p14:creationId xmlns:p14="http://schemas.microsoft.com/office/powerpoint/2010/main" val="1169712265"/>
       </p:ext>
     </p:extLst>
   </p:cSld>
@@ -6400,7 +5202,7 @@
           <p:cNvPr id="2" name="Title 1">
             <a:extLst>
               <a:ext uri="{FF2B5EF4-FFF2-40B4-BE49-F238E27FC236}">
-                <a16:creationId xmlns:a16="http://schemas.microsoft.com/office/drawing/2014/main" id="{D0A32E1B-304C-70CA-4FE2-121036B45BBD}"/>
+                <a16:creationId xmlns:a16="http://schemas.microsoft.com/office/drawing/2014/main" id="{E4F763E2-324A-C8CF-91A4-3F6EE9C6E0E0}"/>
               </a:ext>
             </a:extLst>
           </p:cNvPr>
@@ -6417,21 +5219,18 @@
           <a:lstStyle/>
           <a:p>
             <a:r>
-              <a:rPr lang="en-US" dirty="0">
+              <a:rPr lang="en-US" b="1" dirty="0">
                 <a:solidFill>
                   <a:srgbClr val="0070C0"/>
                 </a:solidFill>
-                <a:ea typeface="Calibri Light"/>
                 <a:cs typeface="Calibri Light"/>
               </a:rPr>
-              <a:t>Outline</a:t>
-            </a:r>
-            <a:endParaRPr lang="en-US">
+              <a:t>Component schema</a:t>
+            </a:r>
+            <a:endParaRPr lang="en-US" b="1" dirty="0">
               <a:solidFill>
                 <a:srgbClr val="0070C0"/>
               </a:solidFill>
-              <a:ea typeface="Calibri Light"/>
-              <a:cs typeface="Calibri Light"/>
             </a:endParaRPr>
           </a:p>
         </p:txBody>
@@ -6441,7 +5240,7 @@
           <p:cNvPr id="3" name="Content Placeholder 2">
             <a:extLst>
               <a:ext uri="{FF2B5EF4-FFF2-40B4-BE49-F238E27FC236}">
-                <a16:creationId xmlns:a16="http://schemas.microsoft.com/office/drawing/2014/main" id="{0F80D594-86CE-1ED4-994C-042A2971ED94}"/>
+                <a16:creationId xmlns:a16="http://schemas.microsoft.com/office/drawing/2014/main" id="{2EEE68F0-47E1-542C-346B-86B74C34651B}"/>
               </a:ext>
             </a:extLst>
           </p:cNvPr>
@@ -6463,7 +5262,6 @@
               <a:buNone/>
             </a:pPr>
             <a:endParaRPr lang="en-US" dirty="0">
-              <a:ea typeface="Calibri" panose="020F0502020204030204"/>
               <a:cs typeface="Calibri" panose="020F0502020204030204"/>
             </a:endParaRPr>
           </a:p>
@@ -6472,79 +5270,200 @@
               <a:buNone/>
             </a:pPr>
             <a:r>
+              <a:rPr lang="en-US" dirty="0" err="1">
+                <a:latin typeface="Consolas"/>
+                <a:cs typeface="Calibri" panose="020F0502020204030204"/>
+              </a:rPr>
+              <a:t>AFRAME.registerComponent</a:t>
+            </a:r>
+            <a:r>
               <a:rPr lang="en-US" dirty="0">
-                <a:ea typeface="Calibri" panose="020F0502020204030204"/>
+                <a:latin typeface="Consolas"/>
                 <a:cs typeface="Calibri" panose="020F0502020204030204"/>
               </a:rPr>
-              <a:t>Cameras</a:t>
-            </a:r>
+              <a:t>(‘my-box', {</a:t>
+            </a:r>
+            <a:br>
+              <a:rPr lang="en-US" dirty="0">
+                <a:latin typeface="Consolas"/>
+                <a:cs typeface="Calibri" panose="020F0502020204030204"/>
+              </a:rPr>
+            </a:br>
+            <a:r>
+              <a:rPr lang="en-US" dirty="0">
+                <a:latin typeface="Consolas"/>
+                <a:cs typeface="Calibri" panose="020F0502020204030204"/>
+              </a:rPr>
+              <a:t>  </a:t>
+            </a:r>
+            <a:r>
+              <a:rPr lang="en-US" b="1" dirty="0">
+                <a:solidFill>
+                  <a:srgbClr val="0070C0"/>
+                </a:solidFill>
+                <a:latin typeface="Consolas"/>
+                <a:cs typeface="Calibri" panose="020F0502020204030204"/>
+              </a:rPr>
+              <a:t>schema</a:t>
+            </a:r>
+            <a:r>
+              <a:rPr lang="en-US" dirty="0">
+                <a:latin typeface="Consolas"/>
+                <a:cs typeface="Calibri" panose="020F0502020204030204"/>
+              </a:rPr>
+              <a:t>: {</a:t>
+            </a:r>
+            <a:br>
+              <a:rPr lang="en-US" dirty="0">
+                <a:latin typeface="Consolas"/>
+                <a:cs typeface="Calibri" panose="020F0502020204030204"/>
+              </a:rPr>
+            </a:br>
+            <a:r>
+              <a:rPr lang="en-US" dirty="0">
+                <a:latin typeface="Consolas"/>
+                <a:cs typeface="Calibri" panose="020F0502020204030204"/>
+              </a:rPr>
+              <a:t>    width: {type: 'number', default: 1},</a:t>
+            </a:r>
+            <a:br>
+              <a:rPr lang="en-US" dirty="0">
+                <a:latin typeface="Consolas"/>
+                <a:cs typeface="Calibri" panose="020F0502020204030204"/>
+              </a:rPr>
+            </a:br>
+            <a:r>
+              <a:rPr lang="en-US" dirty="0">
+                <a:latin typeface="Consolas"/>
+                <a:cs typeface="Calibri" panose="020F0502020204030204"/>
+              </a:rPr>
+              <a:t>    height: {type: 'number', default: 1},</a:t>
+            </a:r>
+            <a:br>
+              <a:rPr lang="en-US" dirty="0">
+                <a:latin typeface="Consolas"/>
+                <a:cs typeface="Calibri" panose="020F0502020204030204"/>
+              </a:rPr>
+            </a:br>
+            <a:r>
+              <a:rPr lang="en-US" dirty="0">
+                <a:latin typeface="Consolas"/>
+                <a:cs typeface="Calibri" panose="020F0502020204030204"/>
+              </a:rPr>
+              <a:t>    depth: {type: 'number', default: 1},</a:t>
+            </a:r>
+            <a:br>
+              <a:rPr lang="en-US" dirty="0">
+                <a:latin typeface="Consolas"/>
+                <a:cs typeface="Calibri" panose="020F0502020204030204"/>
+              </a:rPr>
+            </a:br>
+            <a:r>
+              <a:rPr lang="en-US" dirty="0">
+                <a:latin typeface="Consolas"/>
+                <a:cs typeface="Calibri" panose="020F0502020204030204"/>
+              </a:rPr>
+              <a:t>    color: {type: 'color', default: '#AAA'}</a:t>
+            </a:r>
+            <a:br>
+              <a:rPr lang="en-US" dirty="0">
+                <a:latin typeface="Consolas"/>
+                <a:cs typeface="Calibri" panose="020F0502020204030204"/>
+              </a:rPr>
+            </a:br>
+            <a:r>
+              <a:rPr lang="en-US" dirty="0">
+                <a:latin typeface="Consolas"/>
+                <a:cs typeface="Calibri" panose="020F0502020204030204"/>
+              </a:rPr>
+              <a:t>  }</a:t>
+            </a:r>
+            <a:br>
+              <a:rPr lang="en-US" dirty="0">
+                <a:latin typeface="Consolas"/>
+                <a:cs typeface="Calibri" panose="020F0502020204030204"/>
+              </a:rPr>
+            </a:br>
+            <a:r>
+              <a:rPr lang="en-US" dirty="0">
+                <a:latin typeface="Consolas"/>
+                <a:cs typeface="Calibri" panose="020F0502020204030204"/>
+              </a:rPr>
+              <a:t>});</a:t>
+            </a:r>
+            <a:endParaRPr lang="en-US" dirty="0"/>
           </a:p>
           <a:p>
             <a:pPr marL="0" indent="0">
               <a:buNone/>
             </a:pPr>
             <a:endParaRPr lang="en-US" dirty="0">
-              <a:ea typeface="Calibri" panose="020F0502020204030204"/>
               <a:cs typeface="Calibri" panose="020F0502020204030204"/>
             </a:endParaRPr>
           </a:p>
-          <a:p>
-            <a:pPr marL="0" indent="0">
-              <a:buNone/>
-            </a:pPr>
-            <a:r>
-              <a:rPr lang="en-US" dirty="0">
-                <a:ea typeface="Calibri" panose="020F0502020204030204"/>
-                <a:cs typeface="Calibri" panose="020F0502020204030204"/>
-              </a:rPr>
-              <a:t>Parts of A-frame components</a:t>
-            </a:r>
-          </a:p>
-          <a:p>
-            <a:pPr marL="0" indent="0">
-              <a:buNone/>
-            </a:pPr>
-            <a:endParaRPr lang="en-US" dirty="0">
-              <a:ea typeface="Calibri" panose="020F0502020204030204"/>
-              <a:cs typeface="Calibri" panose="020F0502020204030204"/>
-            </a:endParaRPr>
-          </a:p>
-          <a:p>
-            <a:pPr marL="0" indent="0">
-              <a:buNone/>
-            </a:pPr>
-            <a:r>
-              <a:rPr lang="en-US" dirty="0">
-                <a:ea typeface="Calibri" panose="020F0502020204030204"/>
-                <a:cs typeface="Calibri" panose="020F0502020204030204"/>
-              </a:rPr>
-              <a:t>Defining a new a-frame component </a:t>
-            </a:r>
-          </a:p>
-          <a:p>
-            <a:pPr marL="0" indent="0">
-              <a:buNone/>
-            </a:pPr>
-            <a:endParaRPr lang="en-US" dirty="0">
-              <a:ea typeface="Calibri" panose="020F0502020204030204"/>
-              <a:cs typeface="Calibri" panose="020F0502020204030204"/>
-            </a:endParaRPr>
-          </a:p>
-          <a:p>
-            <a:pPr marL="0" indent="0">
-              <a:buNone/>
-            </a:pPr>
-            <a:endParaRPr lang="en-US" dirty="0">
-              <a:ea typeface="Calibri" panose="020F0502020204030204"/>
-              <a:cs typeface="Calibri" panose="020F0502020204030204"/>
-            </a:endParaRPr>
+        </p:txBody>
+      </p:sp>
+      <p:sp>
+        <p:nvSpPr>
+          <p:cNvPr id="4" name="Footer Placeholder 3">
+            <a:extLst>
+              <a:ext uri="{FF2B5EF4-FFF2-40B4-BE49-F238E27FC236}">
+                <a16:creationId xmlns:a16="http://schemas.microsoft.com/office/drawing/2014/main" id="{566A8849-B399-1034-C4A1-05F932E4A12A}"/>
+              </a:ext>
+            </a:extLst>
+          </p:cNvPr>
+          <p:cNvSpPr>
+            <a:spLocks noGrp="1"/>
+          </p:cNvSpPr>
+          <p:nvPr>
+            <p:ph type="ftr" sz="quarter" idx="11"/>
+          </p:nvPr>
+        </p:nvSpPr>
+        <p:spPr/>
+        <p:txBody>
+          <a:bodyPr/>
+          <a:lstStyle/>
+          <a:p>
+            <a:r>
+              <a:rPr lang="en-US"/>
+              <a:t>This content is protected and may not be shared, uploaded, or distributed</a:t>
+            </a:r>
+          </a:p>
+        </p:txBody>
+      </p:sp>
+      <p:sp>
+        <p:nvSpPr>
+          <p:cNvPr id="5" name="Slide Number Placeholder 4">
+            <a:extLst>
+              <a:ext uri="{FF2B5EF4-FFF2-40B4-BE49-F238E27FC236}">
+                <a16:creationId xmlns:a16="http://schemas.microsoft.com/office/drawing/2014/main" id="{EF82ABA9-A571-E4F2-CB54-D06FA0A4B066}"/>
+              </a:ext>
+            </a:extLst>
+          </p:cNvPr>
+          <p:cNvSpPr>
+            <a:spLocks noGrp="1"/>
+          </p:cNvSpPr>
+          <p:nvPr>
+            <p:ph type="sldNum" sz="quarter" idx="12"/>
+          </p:nvPr>
+        </p:nvSpPr>
+        <p:spPr/>
+        <p:txBody>
+          <a:bodyPr/>
+          <a:lstStyle/>
+          <a:p>
+            <a:fld id="{330EA680-D336-4FF7-8B7A-9848BB0A1C32}" type="slidenum">
+              <a:rPr lang="en-US" smtClean="0"/>
+              <a:t>3</a:t>
+            </a:fld>
+            <a:endParaRPr lang="en-US"/>
           </a:p>
         </p:txBody>
       </p:sp>
     </p:spTree>
     <p:extLst>
       <p:ext uri="{BB962C8B-B14F-4D97-AF65-F5344CB8AC3E}">
-        <p14:creationId xmlns:p14="http://schemas.microsoft.com/office/powerpoint/2010/main" val="1169712265"/>
+        <p14:creationId xmlns:p14="http://schemas.microsoft.com/office/powerpoint/2010/main" val="1942960301"/>
       </p:ext>
     </p:extLst>
   </p:cSld>
@@ -6576,7 +5495,7 @@
           <p:cNvPr id="2" name="Title 1">
             <a:extLst>
               <a:ext uri="{FF2B5EF4-FFF2-40B4-BE49-F238E27FC236}">
-                <a16:creationId xmlns:a16="http://schemas.microsoft.com/office/drawing/2014/main" id="{E4F763E2-324A-C8CF-91A4-3F6EE9C6E0E0}"/>
+                <a16:creationId xmlns:a16="http://schemas.microsoft.com/office/drawing/2014/main" id="{481FE3D0-8EBE-3F43-1AD0-7A677610F636}"/>
               </a:ext>
             </a:extLst>
           </p:cNvPr>
@@ -6597,15 +5516,17 @@
                 <a:solidFill>
                   <a:srgbClr val="0070C0"/>
                 </a:solidFill>
-                <a:cs typeface="Calibri Light"/>
-              </a:rPr>
-              <a:t>Component schema</a:t>
-            </a:r>
-            <a:endParaRPr lang="en-US" b="1" dirty="0">
-              <a:solidFill>
-                <a:srgbClr val="0070C0"/>
-              </a:solidFill>
-            </a:endParaRPr>
+              </a:rPr>
+              <a:t>A component - </a:t>
+            </a:r>
+            <a:r>
+              <a:rPr lang="en-US" b="1" dirty="0">
+                <a:solidFill>
+                  <a:srgbClr val="FF0000"/>
+                </a:solidFill>
+              </a:rPr>
+              <a:t>a-box-no-visible-events.html</a:t>
+            </a:r>
           </a:p>
         </p:txBody>
       </p:sp>
@@ -6614,7 +5535,7 @@
           <p:cNvPr id="3" name="Content Placeholder 2">
             <a:extLst>
               <a:ext uri="{FF2B5EF4-FFF2-40B4-BE49-F238E27FC236}">
-                <a16:creationId xmlns:a16="http://schemas.microsoft.com/office/drawing/2014/main" id="{2EEE68F0-47E1-542C-346B-86B74C34651B}"/>
+                <a16:creationId xmlns:a16="http://schemas.microsoft.com/office/drawing/2014/main" id="{76C7053B-CEFA-9A8B-2BEE-3508E072759B}"/>
               </a:ext>
             </a:extLst>
           </p:cNvPr>
@@ -6625,219 +5546,264 @@
             <p:ph idx="1"/>
           </p:nvPr>
         </p:nvSpPr>
-        <p:spPr/>
-        <p:txBody>
-          <a:bodyPr vert="horz" lIns="91440" tIns="45720" rIns="91440" bIns="45720" rtlCol="0" anchor="t">
-            <a:normAutofit/>
+        <p:spPr>
+          <a:xfrm>
+            <a:off x="838200" y="1825625"/>
+            <a:ext cx="10515600" cy="4593342"/>
+          </a:xfrm>
+        </p:spPr>
+        <p:txBody>
+          <a:bodyPr>
+            <a:normAutofit fontScale="85000" lnSpcReduction="20000"/>
           </a:bodyPr>
           <a:lstStyle/>
           <a:p>
             <a:pPr marL="0" indent="0">
               <a:buNone/>
             </a:pPr>
-            <a:endParaRPr lang="en-US" dirty="0">
-              <a:cs typeface="Calibri" panose="020F0502020204030204"/>
-            </a:endParaRPr>
+            <a:r>
+              <a:rPr lang="en-US" dirty="0" err="1"/>
+              <a:t>AFRAME.registerComponent</a:t>
+            </a:r>
+            <a:r>
+              <a:rPr lang="en-US" dirty="0"/>
+              <a:t>(‘my-comp-test', {</a:t>
+            </a:r>
           </a:p>
           <a:p>
             <a:pPr marL="0" indent="0">
               <a:buNone/>
             </a:pPr>
-            <a:r>
-              <a:rPr lang="en-US" dirty="0" err="1">
-                <a:latin typeface="Consolas"/>
-                <a:cs typeface="Calibri" panose="020F0502020204030204"/>
-              </a:rPr>
-              <a:t>AFRAME.registerComponent</a:t>
-            </a:r>
-            <a:r>
-              <a:rPr lang="en-US" dirty="0">
-                <a:latin typeface="Consolas"/>
-                <a:cs typeface="Calibri" panose="020F0502020204030204"/>
-              </a:rPr>
-              <a:t>(‘my-box', {</a:t>
-            </a:r>
-            <a:br>
-              <a:rPr lang="en-US" dirty="0">
-                <a:latin typeface="Consolas"/>
-                <a:cs typeface="Calibri" panose="020F0502020204030204"/>
-              </a:rPr>
-            </a:br>
-            <a:r>
-              <a:rPr lang="en-US" dirty="0">
-                <a:latin typeface="Consolas"/>
-                <a:cs typeface="Calibri" panose="020F0502020204030204"/>
-              </a:rPr>
-              <a:t>  </a:t>
+            <a:endParaRPr lang="en-US" dirty="0"/>
+          </a:p>
+          <a:p>
+            <a:pPr marL="0" indent="0">
+              <a:buNone/>
+            </a:pPr>
+            <a:r>
+              <a:rPr lang="en-US" dirty="0"/>
+              <a:t>        </a:t>
+            </a:r>
+            <a:r>
+              <a:rPr lang="en-US" b="1" dirty="0" err="1">
+                <a:solidFill>
+                  <a:srgbClr val="0070C0"/>
+                </a:solidFill>
+              </a:rPr>
+              <a:t>init</a:t>
             </a:r>
             <a:r>
               <a:rPr lang="en-US" b="1" dirty="0">
                 <a:solidFill>
                   <a:srgbClr val="0070C0"/>
                 </a:solidFill>
-                <a:latin typeface="Consolas"/>
-                <a:cs typeface="Calibri" panose="020F0502020204030204"/>
-              </a:rPr>
-              <a:t>schema</a:t>
-            </a:r>
-            <a:r>
-              <a:rPr lang="en-US" dirty="0">
-                <a:latin typeface="Consolas"/>
-                <a:cs typeface="Calibri" panose="020F0502020204030204"/>
-              </a:rPr>
-              <a:t>: {</a:t>
-            </a:r>
-            <a:br>
-              <a:rPr lang="en-US" dirty="0">
-                <a:latin typeface="Consolas"/>
-                <a:cs typeface="Calibri" panose="020F0502020204030204"/>
-              </a:rPr>
-            </a:br>
-            <a:r>
-              <a:rPr lang="en-US" dirty="0">
-                <a:latin typeface="Consolas"/>
-                <a:cs typeface="Calibri" panose="020F0502020204030204"/>
-              </a:rPr>
-              <a:t>    width: {type: 'number', default: 1},</a:t>
-            </a:r>
-            <a:br>
-              <a:rPr lang="en-US" dirty="0">
-                <a:latin typeface="Consolas"/>
-                <a:cs typeface="Calibri" panose="020F0502020204030204"/>
-              </a:rPr>
-            </a:br>
-            <a:r>
-              <a:rPr lang="en-US" dirty="0">
-                <a:latin typeface="Consolas"/>
-                <a:cs typeface="Calibri" panose="020F0502020204030204"/>
-              </a:rPr>
-              <a:t>    height: {type: 'number', default: 1},</a:t>
-            </a:r>
-            <a:br>
-              <a:rPr lang="en-US" dirty="0">
-                <a:latin typeface="Consolas"/>
-                <a:cs typeface="Calibri" panose="020F0502020204030204"/>
-              </a:rPr>
-            </a:br>
-            <a:r>
-              <a:rPr lang="en-US" dirty="0">
-                <a:latin typeface="Consolas"/>
-                <a:cs typeface="Calibri" panose="020F0502020204030204"/>
-              </a:rPr>
-              <a:t>    depth: {type: 'number', default: 1},</a:t>
-            </a:r>
-            <a:br>
-              <a:rPr lang="en-US" dirty="0">
-                <a:latin typeface="Consolas"/>
-                <a:cs typeface="Calibri" panose="020F0502020204030204"/>
-              </a:rPr>
-            </a:br>
-            <a:r>
-              <a:rPr lang="en-US" dirty="0">
-                <a:latin typeface="Consolas"/>
-                <a:cs typeface="Calibri" panose="020F0502020204030204"/>
-              </a:rPr>
-              <a:t>    color: {type: 'color', default: '#AAA'}</a:t>
-            </a:r>
-            <a:br>
-              <a:rPr lang="en-US" dirty="0">
-                <a:latin typeface="Consolas"/>
-                <a:cs typeface="Calibri" panose="020F0502020204030204"/>
-              </a:rPr>
-            </a:br>
-            <a:r>
-              <a:rPr lang="en-US" dirty="0">
-                <a:latin typeface="Consolas"/>
-                <a:cs typeface="Calibri" panose="020F0502020204030204"/>
-              </a:rPr>
-              <a:t>  }</a:t>
-            </a:r>
-            <a:br>
-              <a:rPr lang="en-US" dirty="0">
-                <a:latin typeface="Consolas"/>
-                <a:cs typeface="Calibri" panose="020F0502020204030204"/>
-              </a:rPr>
-            </a:br>
-            <a:r>
-              <a:rPr lang="en-US" dirty="0">
-                <a:latin typeface="Consolas"/>
-                <a:cs typeface="Calibri" panose="020F0502020204030204"/>
-              </a:rPr>
-              <a:t>});</a:t>
-            </a:r>
-            <a:endParaRPr lang="en-US" dirty="0"/>
+              </a:rPr>
+              <a:t>: function() {</a:t>
+            </a:r>
           </a:p>
           <a:p>
             <a:pPr marL="0" indent="0">
               <a:buNone/>
             </a:pPr>
-            <a:endParaRPr lang="en-US" dirty="0">
-              <a:cs typeface="Calibri" panose="020F0502020204030204"/>
-            </a:endParaRPr>
-          </a:p>
-        </p:txBody>
-      </p:sp>
-      <p:sp>
-        <p:nvSpPr>
-          <p:cNvPr id="4" name="Footer Placeholder 3">
+            <a:r>
+              <a:rPr lang="en-US" b="1" dirty="0">
+                <a:solidFill>
+                  <a:srgbClr val="0070C0"/>
+                </a:solidFill>
+              </a:rPr>
+              <a:t>          console.log(“Hello world");</a:t>
+            </a:r>
+          </a:p>
+          <a:p>
+            <a:pPr marL="0" indent="0">
+              <a:buNone/>
+            </a:pPr>
+            <a:r>
+              <a:rPr lang="en-US" b="1" dirty="0">
+                <a:solidFill>
+                  <a:srgbClr val="0070C0"/>
+                </a:solidFill>
+              </a:rPr>
+              <a:t>        },</a:t>
+            </a:r>
+          </a:p>
+          <a:p>
+            <a:pPr marL="0" indent="0">
+              <a:buNone/>
+            </a:pPr>
+            <a:r>
+              <a:rPr lang="en-US" dirty="0"/>
+              <a:t>        </a:t>
+            </a:r>
+            <a:r>
+              <a:rPr lang="en-US" b="1" dirty="0">
+                <a:solidFill>
+                  <a:srgbClr val="0070C0"/>
+                </a:solidFill>
+              </a:rPr>
+              <a:t>tick: function() {</a:t>
+            </a:r>
+          </a:p>
+          <a:p>
+            <a:pPr marL="0" indent="0">
+              <a:buNone/>
+            </a:pPr>
+            <a:r>
+              <a:rPr lang="en-US" b="1" dirty="0">
+                <a:solidFill>
+                  <a:srgbClr val="0070C0"/>
+                </a:solidFill>
+              </a:rPr>
+              <a:t>          console.log("click");</a:t>
+            </a:r>
+          </a:p>
+          <a:p>
+            <a:pPr marL="0" indent="0">
+              <a:buNone/>
+            </a:pPr>
+            <a:r>
+              <a:rPr lang="en-US" b="1" dirty="0">
+                <a:solidFill>
+                  <a:srgbClr val="0070C0"/>
+                </a:solidFill>
+              </a:rPr>
+              <a:t>        },</a:t>
+            </a:r>
+          </a:p>
+          <a:p>
+            <a:pPr marL="0" indent="0">
+              <a:buNone/>
+            </a:pPr>
+            <a:r>
+              <a:rPr lang="en-US" dirty="0"/>
+              <a:t>        </a:t>
+            </a:r>
+            <a:r>
+              <a:rPr lang="en-US" b="1" dirty="0">
+                <a:solidFill>
+                  <a:srgbClr val="0070C0"/>
+                </a:solidFill>
+              </a:rPr>
+              <a:t>remove: function() {</a:t>
+            </a:r>
+          </a:p>
+          <a:p>
+            <a:pPr marL="0" indent="0">
+              <a:buNone/>
+            </a:pPr>
+            <a:r>
+              <a:rPr lang="en-US" b="1" dirty="0">
+                <a:solidFill>
+                  <a:srgbClr val="0070C0"/>
+                </a:solidFill>
+              </a:rPr>
+              <a:t>          console.log("Goodnight moon!");</a:t>
+            </a:r>
+          </a:p>
+          <a:p>
+            <a:pPr marL="0" indent="0">
+              <a:buNone/>
+            </a:pPr>
+            <a:r>
+              <a:rPr lang="en-US" b="1" dirty="0">
+                <a:solidFill>
+                  <a:srgbClr val="0070C0"/>
+                </a:solidFill>
+              </a:rPr>
+              <a:t>        }</a:t>
+            </a:r>
+          </a:p>
+          <a:p>
+            <a:pPr marL="0" indent="0">
+              <a:buNone/>
+            </a:pPr>
+            <a:r>
+              <a:rPr lang="en-US" dirty="0"/>
+              <a:t> });</a:t>
+            </a:r>
+          </a:p>
+        </p:txBody>
+      </p:sp>
+      <p:sp>
+        <p:nvSpPr>
+          <p:cNvPr id="4" name="Rectangle 3">
             <a:extLst>
               <a:ext uri="{FF2B5EF4-FFF2-40B4-BE49-F238E27FC236}">
-                <a16:creationId xmlns:a16="http://schemas.microsoft.com/office/drawing/2014/main" id="{566A8849-B399-1034-C4A1-05F932E4A12A}"/>
+                <a16:creationId xmlns:a16="http://schemas.microsoft.com/office/drawing/2014/main" id="{26F1B632-DE13-B381-F2A5-78E81CD5CCB9}"/>
               </a:ext>
             </a:extLst>
           </p:cNvPr>
-          <p:cNvSpPr>
-            <a:spLocks noGrp="1"/>
-          </p:cNvSpPr>
-          <p:nvPr>
-            <p:ph type="ftr" sz="quarter" idx="11"/>
-          </p:nvPr>
-        </p:nvSpPr>
-        <p:spPr/>
-        <p:txBody>
-          <a:bodyPr/>
+          <p:cNvSpPr/>
+          <p:nvPr/>
+        </p:nvSpPr>
+        <p:spPr>
+          <a:xfrm>
+            <a:off x="6281529" y="2941983"/>
+            <a:ext cx="4542183" cy="2380421"/>
+          </a:xfrm>
+          <a:prstGeom prst="rect">
+            <a:avLst/>
+          </a:prstGeom>
+        </p:spPr>
+        <p:style>
+          <a:lnRef idx="2">
+            <a:schemeClr val="accent1">
+              <a:shade val="15000"/>
+            </a:schemeClr>
+          </a:lnRef>
+          <a:fillRef idx="1">
+            <a:schemeClr val="accent1"/>
+          </a:fillRef>
+          <a:effectRef idx="0">
+            <a:schemeClr val="accent1"/>
+          </a:effectRef>
+          <a:fontRef idx="minor">
+            <a:schemeClr val="lt1"/>
+          </a:fontRef>
+        </p:style>
+        <p:txBody>
+          <a:bodyPr rtlCol="0" anchor="ctr"/>
           <a:lstStyle/>
           <a:p>
-            <a:r>
-              <a:rPr lang="en-US"/>
-              <a:t>This content is protected and may not be shared, uploaded, or distributed</a:t>
-            </a:r>
-          </a:p>
-        </p:txBody>
-      </p:sp>
-      <p:sp>
-        <p:nvSpPr>
-          <p:cNvPr id="5" name="Slide Number Placeholder 4">
-            <a:extLst>
-              <a:ext uri="{FF2B5EF4-FFF2-40B4-BE49-F238E27FC236}">
-                <a16:creationId xmlns:a16="http://schemas.microsoft.com/office/drawing/2014/main" id="{EF82ABA9-A571-E4F2-CB54-D06FA0A4B066}"/>
-              </a:ext>
-            </a:extLst>
-          </p:cNvPr>
-          <p:cNvSpPr>
-            <a:spLocks noGrp="1"/>
-          </p:cNvSpPr>
-          <p:nvPr>
-            <p:ph type="sldNum" sz="quarter" idx="12"/>
-          </p:nvPr>
-        </p:nvSpPr>
-        <p:spPr/>
-        <p:txBody>
-          <a:bodyPr/>
-          <a:lstStyle/>
-          <a:p>
-            <a:fld id="{330EA680-D336-4FF7-8B7A-9848BB0A1C32}" type="slidenum">
-              <a:rPr lang="en-US" smtClean="0"/>
-              <a:t>4</a:t>
-            </a:fld>
-            <a:endParaRPr lang="en-US"/>
+            <a:pPr algn="ctr"/>
+            <a:r>
+              <a:rPr lang="en-US" dirty="0"/>
+              <a:t>Must invoke </a:t>
+            </a:r>
+            <a:r>
+              <a:rPr lang="en-US" b="1" u="sng" dirty="0"/>
+              <a:t>my-comp-test</a:t>
+            </a:r>
+          </a:p>
+          <a:p>
+            <a:pPr algn="ctr"/>
+            <a:endParaRPr lang="en-US" b="1" dirty="0"/>
+          </a:p>
+          <a:p>
+            <a:pPr algn="ctr"/>
+            <a:endParaRPr lang="en-US" b="1" dirty="0"/>
+          </a:p>
+          <a:p>
+            <a:pPr algn="ctr"/>
+            <a:r>
+              <a:rPr lang="en-US" b="1" dirty="0"/>
+              <a:t>&lt;a-box id="one" position="-2 0 -7" color="red" </a:t>
+            </a:r>
+            <a:r>
+              <a:rPr lang="en-US" b="1" u="sng" dirty="0"/>
+              <a:t>my-comp-test</a:t>
+            </a:r>
+            <a:r>
+              <a:rPr lang="en-US" b="1" dirty="0"/>
+              <a:t>&gt;&lt;/a-box&gt;</a:t>
+            </a:r>
           </a:p>
         </p:txBody>
       </p:sp>
     </p:spTree>
     <p:extLst>
       <p:ext uri="{BB962C8B-B14F-4D97-AF65-F5344CB8AC3E}">
-        <p14:creationId xmlns:p14="http://schemas.microsoft.com/office/powerpoint/2010/main" val="1942960301"/>
+        <p14:creationId xmlns:p14="http://schemas.microsoft.com/office/powerpoint/2010/main" val="2560189996"/>
       </p:ext>
     </p:extLst>
   </p:cSld>
@@ -6869,7 +5835,7 @@
           <p:cNvPr id="2" name="Title 1">
             <a:extLst>
               <a:ext uri="{FF2B5EF4-FFF2-40B4-BE49-F238E27FC236}">
-                <a16:creationId xmlns:a16="http://schemas.microsoft.com/office/drawing/2014/main" id="{481FE3D0-8EBE-3F43-1AD0-7A677610F636}"/>
+                <a16:creationId xmlns:a16="http://schemas.microsoft.com/office/drawing/2014/main" id="{E35E6F10-78FC-DE35-9794-1FB5649F9770}"/>
               </a:ext>
             </a:extLst>
           </p:cNvPr>
@@ -6891,7 +5857,46 @@
                   <a:srgbClr val="0070C0"/>
                 </a:solidFill>
               </a:rPr>
-              <a:t>A component - </a:t>
+              <a:t>Methods in action – put &lt;script&gt; in &lt;body&gt;</a:t>
+            </a:r>
+            <a:br>
+              <a:rPr lang="en-US" b="1" dirty="0">
+                <a:solidFill>
+                  <a:srgbClr val="0070C0"/>
+                </a:solidFill>
+              </a:rPr>
+            </a:br>
+            <a:r>
+              <a:rPr lang="en-US" b="1" dirty="0">
+                <a:solidFill>
+                  <a:srgbClr val="0070C0"/>
+                </a:solidFill>
+              </a:rPr>
+              <a:t>For </a:t>
+            </a:r>
+            <a:r>
+              <a:rPr lang="en-US" b="1" dirty="0" err="1">
+                <a:solidFill>
+                  <a:srgbClr val="0070C0"/>
+                </a:solidFill>
+              </a:rPr>
+              <a:t>AFRAME.registerComponent</a:t>
+            </a:r>
+            <a:r>
+              <a:rPr lang="en-US" b="1">
+                <a:solidFill>
+                  <a:srgbClr val="0070C0"/>
+                </a:solidFill>
+              </a:rPr>
+              <a:t> (</a:t>
+            </a:r>
+            <a:r>
+              <a:rPr lang="en-US" b="1">
+                <a:solidFill>
+                  <a:srgbClr val="FF0000"/>
+                </a:solidFill>
+              </a:rPr>
+              <a:t>Not </a:t>
             </a:r>
             <a:r>
               <a:rPr lang="en-US" b="1" dirty="0">
@@ -6899,72 +5904,15 @@
                   <a:srgbClr val="FF0000"/>
                 </a:solidFill>
               </a:rPr>
-              <a:t>a-box-no-visible-events.html</a:t>
-            </a:r>
-          </a:p>
-        </p:txBody>
-      </p:sp>
-      <p:sp>
-        <p:nvSpPr>
-          <p:cNvPr id="3" name="Content Placeholder 2">
-            <a:extLst>
-              <a:ext uri="{FF2B5EF4-FFF2-40B4-BE49-F238E27FC236}">
-                <a16:creationId xmlns:a16="http://schemas.microsoft.com/office/drawing/2014/main" id="{76C7053B-CEFA-9A8B-2BEE-3508E072759B}"/>
-              </a:ext>
-            </a:extLst>
-          </p:cNvPr>
-          <p:cNvSpPr>
-            <a:spLocks noGrp="1"/>
-          </p:cNvSpPr>
-          <p:nvPr>
-            <p:ph idx="1"/>
-          </p:nvPr>
-        </p:nvSpPr>
-        <p:spPr>
-          <a:xfrm>
-            <a:off x="838200" y="1825625"/>
-            <a:ext cx="10515600" cy="4593342"/>
-          </a:xfrm>
-        </p:spPr>
-        <p:txBody>
-          <a:bodyPr>
-            <a:normAutofit fontScale="85000" lnSpcReduction="20000"/>
-          </a:bodyPr>
-          <a:lstStyle/>
-          <a:p>
-            <a:pPr marL="0" indent="0">
-              <a:buNone/>
-            </a:pPr>
-            <a:r>
-              <a:rPr lang="en-US" dirty="0" err="1"/>
-              <a:t>AFRAME.registerComponent</a:t>
-            </a:r>
-            <a:r>
-              <a:rPr lang="en-US" dirty="0"/>
-              <a:t>(‘my-comp-test', {</a:t>
-            </a:r>
-          </a:p>
-          <a:p>
-            <a:pPr marL="0" indent="0">
-              <a:buNone/>
-            </a:pPr>
-            <a:endParaRPr lang="en-US" dirty="0"/>
-          </a:p>
-          <a:p>
-            <a:pPr marL="0" indent="0">
-              <a:buNone/>
-            </a:pPr>
-            <a:r>
-              <a:rPr lang="en-US" dirty="0"/>
-              <a:t>        </a:t>
+              <a:t>in </a:t>
             </a:r>
             <a:r>
               <a:rPr lang="en-US" b="1" dirty="0" err="1">
                 <a:solidFill>
-                  <a:srgbClr val="0070C0"/>
+                  <a:srgbClr val="FF0000"/>
                 </a:solidFill>
               </a:rPr>
-              <a:t>init</a:t>
+              <a:t>hdr</a:t>
             </a:r>
             <a:r>
               <a:rPr lang="en-US" b="1" dirty="0">
@@ -6972,128 +5920,301 @@
                   <a:srgbClr val="0070C0"/>
                 </a:solidFill>
               </a:rPr>
-              <a:t>: function() {</a:t>
-            </a:r>
-          </a:p>
+              <a:t>)</a:t>
+            </a:r>
+          </a:p>
+        </p:txBody>
+      </p:sp>
+      <p:sp>
+        <p:nvSpPr>
+          <p:cNvPr id="3" name="Content Placeholder 2">
+            <a:extLst>
+              <a:ext uri="{FF2B5EF4-FFF2-40B4-BE49-F238E27FC236}">
+                <a16:creationId xmlns:a16="http://schemas.microsoft.com/office/drawing/2014/main" id="{F5D0144C-C655-270C-CB5F-DA6E548757AD}"/>
+              </a:ext>
+            </a:extLst>
+          </p:cNvPr>
+          <p:cNvSpPr>
+            <a:spLocks noGrp="1"/>
+          </p:cNvSpPr>
+          <p:nvPr>
+            <p:ph idx="1"/>
+          </p:nvPr>
+        </p:nvSpPr>
+        <p:spPr/>
+        <p:txBody>
+          <a:bodyPr>
+            <a:normAutofit fontScale="25000" lnSpcReduction="20000"/>
+          </a:bodyPr>
+          <a:lstStyle/>
           <a:p>
             <a:pPr marL="0" indent="0">
-              <a:buNone/>
-            </a:pPr>
-            <a:r>
-              <a:rPr lang="en-US" b="1" dirty="0">
+              <a:lnSpc>
+                <a:spcPct val="120000"/>
+              </a:lnSpc>
+              <a:spcBef>
+                <a:spcPts val="0"/>
+              </a:spcBef>
+              <a:buNone/>
+            </a:pPr>
+            <a:r>
+              <a:rPr lang="en-US" dirty="0"/>
+              <a:t> </a:t>
+            </a:r>
+            <a:r>
+              <a:rPr lang="en-US" sz="8000" dirty="0"/>
+              <a:t>&lt;body&gt;</a:t>
+            </a:r>
+          </a:p>
+          <a:p>
+            <a:pPr marL="0" indent="0">
+              <a:lnSpc>
+                <a:spcPct val="120000"/>
+              </a:lnSpc>
+              <a:spcBef>
+                <a:spcPts val="0"/>
+              </a:spcBef>
+              <a:buNone/>
+            </a:pPr>
+            <a:r>
+              <a:rPr lang="en-US" sz="8000" dirty="0"/>
+              <a:t>    &lt;script&gt;</a:t>
+            </a:r>
+          </a:p>
+          <a:p>
+            <a:pPr marL="0" indent="0">
+              <a:lnSpc>
+                <a:spcPct val="120000"/>
+              </a:lnSpc>
+              <a:spcBef>
+                <a:spcPts val="0"/>
+              </a:spcBef>
+              <a:buNone/>
+            </a:pPr>
+            <a:r>
+              <a:rPr lang="en-US" sz="8000" dirty="0"/>
+              <a:t>    </a:t>
+            </a:r>
+            <a:r>
+              <a:rPr lang="en-US" sz="8000" dirty="0" err="1"/>
+              <a:t>AFRAME.registerComponent</a:t>
+            </a:r>
+            <a:r>
+              <a:rPr lang="en-US" sz="8000" dirty="0"/>
+              <a:t>(‘</a:t>
+            </a:r>
+            <a:r>
+              <a:rPr lang="en-US" sz="8000" dirty="0">
                 <a:solidFill>
                   <a:srgbClr val="0070C0"/>
                 </a:solidFill>
               </a:rPr>
-              <a:t>          console.log(“Hello world");</a:t>
+              <a:t>say-hello</a:t>
+            </a:r>
+            <a:r>
+              <a:rPr lang="en-US" sz="8000" dirty="0"/>
+              <a:t>', {</a:t>
             </a:r>
           </a:p>
           <a:p>
             <a:pPr marL="0" indent="0">
-              <a:buNone/>
-            </a:pPr>
-            <a:r>
-              <a:rPr lang="en-US" b="1" dirty="0">
+              <a:lnSpc>
+                <a:spcPct val="120000"/>
+              </a:lnSpc>
+              <a:spcBef>
+                <a:spcPts val="0"/>
+              </a:spcBef>
+              <a:buNone/>
+            </a:pPr>
+            <a:r>
+              <a:rPr lang="en-US" sz="8000" dirty="0"/>
+              <a:t>        </a:t>
+            </a:r>
+            <a:r>
+              <a:rPr lang="en-US" sz="8000" b="1" dirty="0" err="1">
                 <a:solidFill>
                   <a:srgbClr val="0070C0"/>
                 </a:solidFill>
               </a:rPr>
+              <a:t>init</a:t>
+            </a:r>
+            <a:r>
+              <a:rPr lang="en-US" sz="8000" dirty="0"/>
+              <a:t>: function() {</a:t>
+            </a:r>
+          </a:p>
+          <a:p>
+            <a:pPr marL="0" indent="0">
+              <a:lnSpc>
+                <a:spcPct val="120000"/>
+              </a:lnSpc>
+              <a:spcBef>
+                <a:spcPts val="0"/>
+              </a:spcBef>
+              <a:buNone/>
+            </a:pPr>
+            <a:r>
+              <a:rPr lang="en-US" sz="8000" dirty="0"/>
+              <a:t>          console.log("HELLO");</a:t>
+            </a:r>
+          </a:p>
+          <a:p>
+            <a:pPr marL="0" indent="0">
+              <a:lnSpc>
+                <a:spcPct val="120000"/>
+              </a:lnSpc>
+              <a:spcBef>
+                <a:spcPts val="0"/>
+              </a:spcBef>
+              <a:buNone/>
+            </a:pPr>
+            <a:r>
+              <a:rPr lang="en-US" sz="8000" dirty="0"/>
               <a:t>        },</a:t>
             </a:r>
           </a:p>
           <a:p>
             <a:pPr marL="0" indent="0">
-              <a:buNone/>
-            </a:pPr>
-            <a:r>
-              <a:rPr lang="en-US" dirty="0"/>
+              <a:lnSpc>
+                <a:spcPct val="120000"/>
+              </a:lnSpc>
+              <a:spcBef>
+                <a:spcPts val="0"/>
+              </a:spcBef>
+              <a:buNone/>
+            </a:pPr>
+            <a:r>
+              <a:rPr lang="en-US" sz="8000" dirty="0"/>
               <a:t>        </a:t>
             </a:r>
             <a:r>
-              <a:rPr lang="en-US" b="1" dirty="0">
+              <a:rPr lang="en-US" sz="8000" b="1" dirty="0">
                 <a:solidFill>
                   <a:srgbClr val="0070C0"/>
                 </a:solidFill>
               </a:rPr>
-              <a:t>tick: function() {</a:t>
+              <a:t>tick</a:t>
+            </a:r>
+            <a:r>
+              <a:rPr lang="en-US" sz="8000" dirty="0"/>
+              <a:t>: function() {</a:t>
             </a:r>
           </a:p>
           <a:p>
             <a:pPr marL="0" indent="0">
-              <a:buNone/>
-            </a:pPr>
-            <a:r>
-              <a:rPr lang="en-US" b="1" dirty="0">
+              <a:lnSpc>
+                <a:spcPct val="120000"/>
+              </a:lnSpc>
+              <a:spcBef>
+                <a:spcPts val="0"/>
+              </a:spcBef>
+              <a:buNone/>
+            </a:pPr>
+            <a:r>
+              <a:rPr lang="en-US" sz="8000" dirty="0"/>
+              <a:t>          console.log(“tick");</a:t>
+            </a:r>
+          </a:p>
+          <a:p>
+            <a:pPr marL="0" indent="0">
+              <a:lnSpc>
+                <a:spcPct val="120000"/>
+              </a:lnSpc>
+              <a:spcBef>
+                <a:spcPts val="0"/>
+              </a:spcBef>
+              <a:buNone/>
+            </a:pPr>
+            <a:r>
+              <a:rPr lang="en-US" sz="8000" dirty="0"/>
+              <a:t>        } });</a:t>
+            </a:r>
+          </a:p>
+          <a:p>
+            <a:pPr marL="0" indent="0">
+              <a:lnSpc>
+                <a:spcPct val="120000"/>
+              </a:lnSpc>
+              <a:spcBef>
+                <a:spcPts val="0"/>
+              </a:spcBef>
+              <a:buNone/>
+            </a:pPr>
+            <a:r>
+              <a:rPr lang="en-US" sz="8000" dirty="0"/>
+              <a:t>    &lt;/script&gt;</a:t>
+            </a:r>
+          </a:p>
+          <a:p>
+            <a:pPr marL="0" indent="0">
+              <a:lnSpc>
+                <a:spcPct val="120000"/>
+              </a:lnSpc>
+              <a:spcBef>
+                <a:spcPts val="0"/>
+              </a:spcBef>
+              <a:buNone/>
+            </a:pPr>
+            <a:r>
+              <a:rPr lang="en-US" sz="8000" dirty="0"/>
+              <a:t>    &lt;a-scene&gt;   </a:t>
+            </a:r>
+          </a:p>
+          <a:p>
+            <a:pPr marL="0" indent="0">
+              <a:lnSpc>
+                <a:spcPct val="120000"/>
+              </a:lnSpc>
+              <a:spcBef>
+                <a:spcPts val="0"/>
+              </a:spcBef>
+              <a:buNone/>
+            </a:pPr>
+            <a:r>
+              <a:rPr lang="en-US" sz="8000" dirty="0"/>
+              <a:t>	 &lt;a-entity </a:t>
+            </a:r>
+            <a:r>
+              <a:rPr lang="en-US" sz="8000" dirty="0">
                 <a:solidFill>
                   <a:srgbClr val="0070C0"/>
                 </a:solidFill>
               </a:rPr>
-              <a:t>          console.log("click");</a:t>
+              <a:t>say-hello</a:t>
+            </a:r>
+            <a:r>
+              <a:rPr lang="en-US" sz="8000" dirty="0"/>
+              <a:t>&gt;&lt;/a-entity&gt; </a:t>
             </a:r>
           </a:p>
           <a:p>
             <a:pPr marL="0" indent="0">
-              <a:buNone/>
-            </a:pPr>
-            <a:r>
-              <a:rPr lang="en-US" b="1" dirty="0">
-                <a:solidFill>
-                  <a:srgbClr val="0070C0"/>
-                </a:solidFill>
-              </a:rPr>
-              <a:t>        },</a:t>
+              <a:lnSpc>
+                <a:spcPct val="120000"/>
+              </a:lnSpc>
+              <a:spcBef>
+                <a:spcPts val="0"/>
+              </a:spcBef>
+              <a:buNone/>
+            </a:pPr>
+            <a:r>
+              <a:rPr lang="en-US" sz="8000" dirty="0"/>
+              <a:t>      &lt;/a-scene&gt;</a:t>
             </a:r>
           </a:p>
           <a:p>
             <a:pPr marL="0" indent="0">
-              <a:buNone/>
-            </a:pPr>
-            <a:r>
-              <a:rPr lang="en-US" dirty="0"/>
-              <a:t>        </a:t>
-            </a:r>
-            <a:r>
-              <a:rPr lang="en-US" b="1" dirty="0">
-                <a:solidFill>
-                  <a:srgbClr val="0070C0"/>
-                </a:solidFill>
-              </a:rPr>
-              <a:t>remove: function() {</a:t>
-            </a:r>
-          </a:p>
-          <a:p>
-            <a:pPr marL="0" indent="0">
-              <a:buNone/>
-            </a:pPr>
-            <a:r>
-              <a:rPr lang="en-US" b="1" dirty="0">
-                <a:solidFill>
-                  <a:srgbClr val="0070C0"/>
-                </a:solidFill>
-              </a:rPr>
-              <a:t>          console.log("Goodnight moon!");</a:t>
-            </a:r>
-          </a:p>
-          <a:p>
-            <a:pPr marL="0" indent="0">
-              <a:buNone/>
-            </a:pPr>
-            <a:r>
-              <a:rPr lang="en-US" b="1" dirty="0">
-                <a:solidFill>
-                  <a:srgbClr val="0070C0"/>
-                </a:solidFill>
-              </a:rPr>
-              <a:t>        }</a:t>
-            </a:r>
-          </a:p>
-          <a:p>
-            <a:pPr marL="0" indent="0">
-              <a:buNone/>
-            </a:pPr>
-            <a:r>
-              <a:rPr lang="en-US" dirty="0"/>
-              <a:t> });</a:t>
+              <a:lnSpc>
+                <a:spcPct val="120000"/>
+              </a:lnSpc>
+              <a:spcBef>
+                <a:spcPts val="0"/>
+              </a:spcBef>
+              <a:buNone/>
+            </a:pPr>
+            <a:r>
+              <a:rPr lang="en-US" sz="8000" dirty="0"/>
+              <a:t>  &lt;/body&gt;</a:t>
             </a:r>
           </a:p>
         </p:txBody>
@@ -7103,7 +6224,7 @@
           <p:cNvPr id="4" name="Rectangle 3">
             <a:extLst>
               <a:ext uri="{FF2B5EF4-FFF2-40B4-BE49-F238E27FC236}">
-                <a16:creationId xmlns:a16="http://schemas.microsoft.com/office/drawing/2014/main" id="{26F1B632-DE13-B381-F2A5-78E81CD5CCB9}"/>
+                <a16:creationId xmlns:a16="http://schemas.microsoft.com/office/drawing/2014/main" id="{8CC5D037-F5EA-12E0-7E0E-25FC50F9DF95}"/>
               </a:ext>
             </a:extLst>
           </p:cNvPr>
@@ -7112,8 +6233,8 @@
         </p:nvSpPr>
         <p:spPr>
           <a:xfrm>
-            <a:off x="6281529" y="2941983"/>
-            <a:ext cx="4542183" cy="2380421"/>
+            <a:off x="6932543" y="3344517"/>
+            <a:ext cx="3548270" cy="1699592"/>
           </a:xfrm>
           <a:prstGeom prst="rect">
             <a:avLst/>
@@ -7142,34 +6263,11 @@
             <a:pPr algn="ctr"/>
             <a:r>
               <a:rPr lang="en-US" dirty="0"/>
-              <a:t>Must invoke </a:t>
-            </a:r>
-            <a:r>
-              <a:rPr lang="en-US" b="1" u="sng" dirty="0"/>
-              <a:t>my-comp-test</a:t>
-            </a:r>
-          </a:p>
-          <a:p>
-            <a:pPr algn="ctr"/>
-            <a:endParaRPr lang="en-US" b="1" dirty="0"/>
-          </a:p>
-          <a:p>
-            <a:pPr algn="ctr"/>
-            <a:endParaRPr lang="en-US" b="1" dirty="0"/>
-          </a:p>
-          <a:p>
-            <a:pPr algn="ctr"/>
-            <a:r>
-              <a:rPr lang="en-US" b="1" dirty="0"/>
-              <a:t>&lt;a-box id="one" position="-2 0 -7" color="red" </a:t>
-            </a:r>
-            <a:r>
-              <a:rPr lang="en-US" b="1" u="sng" dirty="0"/>
-              <a:t>my-comp-test</a:t>
-            </a:r>
-            <a:r>
-              <a:rPr lang="en-US" b="1" dirty="0"/>
-              <a:t>&gt;&lt;/a-box&gt;</a:t>
+              <a:t>hello-world-</a:t>
+            </a:r>
+            <a:r>
+              <a:rPr lang="en-US"/>
+              <a:t>component.html</a:t>
             </a:r>
           </a:p>
         </p:txBody>
@@ -7177,7 +6275,7 @@
     </p:spTree>
     <p:extLst>
       <p:ext uri="{BB962C8B-B14F-4D97-AF65-F5344CB8AC3E}">
-        <p14:creationId xmlns:p14="http://schemas.microsoft.com/office/powerpoint/2010/main" val="2560189996"/>
+        <p14:creationId xmlns:p14="http://schemas.microsoft.com/office/powerpoint/2010/main" val="2397543405"/>
       </p:ext>
     </p:extLst>
   </p:cSld>
@@ -7209,7 +6307,7 @@
           <p:cNvPr id="2" name="Title 1">
             <a:extLst>
               <a:ext uri="{FF2B5EF4-FFF2-40B4-BE49-F238E27FC236}">
-                <a16:creationId xmlns:a16="http://schemas.microsoft.com/office/drawing/2014/main" id="{E35E6F10-78FC-DE35-9794-1FB5649F9770}"/>
+                <a16:creationId xmlns:a16="http://schemas.microsoft.com/office/drawing/2014/main" id="{89DCC49E-6B1B-AD0B-25E0-9C57C78BE74A}"/>
               </a:ext>
             </a:extLst>
           </p:cNvPr>
@@ -7230,72 +6328,11 @@
                 <a:solidFill>
                   <a:srgbClr val="0070C0"/>
                 </a:solidFill>
-              </a:rPr>
-              <a:t>Methods in action – put &lt;script&gt; in &lt;body&gt;</a:t>
-            </a:r>
-            <a:br>
-              <a:rPr lang="en-US" b="1" dirty="0">
-                <a:solidFill>
-                  <a:srgbClr val="0070C0"/>
-                </a:solidFill>
-              </a:rPr>
-            </a:br>
-            <a:r>
-              <a:rPr lang="en-US" b="1" dirty="0">
-                <a:solidFill>
-                  <a:srgbClr val="0070C0"/>
-                </a:solidFill>
-              </a:rPr>
-              <a:t>For </a:t>
-            </a:r>
-            <a:r>
-              <a:rPr lang="en-US" b="1" dirty="0" err="1">
-                <a:solidFill>
-                  <a:srgbClr val="0070C0"/>
-                </a:solidFill>
-              </a:rPr>
-              <a:t>AFRAME.registerComponent</a:t>
-            </a:r>
-            <a:r>
-              <a:rPr lang="en-US" b="1">
-                <a:solidFill>
-                  <a:srgbClr val="0070C0"/>
-                </a:solidFill>
-              </a:rPr>
-              <a:t> (</a:t>
-            </a:r>
-            <a:r>
-              <a:rPr lang="en-US" b="1">
-                <a:solidFill>
-                  <a:srgbClr val="FF0000"/>
-                </a:solidFill>
-              </a:rPr>
-              <a:t>Not </a:t>
-            </a:r>
-            <a:r>
-              <a:rPr lang="en-US" b="1" dirty="0">
-                <a:solidFill>
-                  <a:srgbClr val="FF0000"/>
-                </a:solidFill>
-              </a:rPr>
-              <a:t>in </a:t>
-            </a:r>
-            <a:r>
-              <a:rPr lang="en-US" b="1" dirty="0" err="1">
-                <a:solidFill>
-                  <a:srgbClr val="FF0000"/>
-                </a:solidFill>
-              </a:rPr>
-              <a:t>hdr</a:t>
-            </a:r>
-            <a:r>
-              <a:rPr lang="en-US" b="1" dirty="0">
-                <a:solidFill>
-                  <a:srgbClr val="0070C0"/>
-                </a:solidFill>
-              </a:rPr>
-              <a:t>)</a:t>
-            </a:r>
+                <a:cs typeface="Calibri Light"/>
+              </a:rPr>
+              <a:t>Basic of an a-frame component</a:t>
+            </a:r>
+            <a:endParaRPr lang="en-US" dirty="0"/>
           </a:p>
         </p:txBody>
       </p:sp>
@@ -7304,7 +6341,7 @@
           <p:cNvPr id="3" name="Content Placeholder 2">
             <a:extLst>
               <a:ext uri="{FF2B5EF4-FFF2-40B4-BE49-F238E27FC236}">
-                <a16:creationId xmlns:a16="http://schemas.microsoft.com/office/drawing/2014/main" id="{F5D0144C-C655-270C-CB5F-DA6E548757AD}"/>
+                <a16:creationId xmlns:a16="http://schemas.microsoft.com/office/drawing/2014/main" id="{3EE6101C-B7C0-2860-35F1-EFF33EA476CB}"/>
               </a:ext>
             </a:extLst>
           </p:cNvPr>
@@ -7315,341 +6352,212 @@
             <p:ph idx="1"/>
           </p:nvPr>
         </p:nvSpPr>
-        <p:spPr/>
+        <p:spPr>
+          <a:xfrm>
+            <a:off x="838200" y="1825625"/>
+            <a:ext cx="10515600" cy="4580962"/>
+          </a:xfrm>
+        </p:spPr>
         <p:txBody>
           <a:bodyPr>
-            <a:normAutofit fontScale="25000" lnSpcReduction="20000"/>
+            <a:normAutofit/>
           </a:bodyPr>
           <a:lstStyle/>
           <a:p>
+            <a:pPr algn="l">
+              <a:buFont typeface="+mj-lt"/>
+              <a:buAutoNum type="arabicPeriod"/>
+            </a:pPr>
+            <a:r>
+              <a:rPr lang="en-US" b="1" i="0" dirty="0">
+                <a:solidFill>
+                  <a:srgbClr val="374151"/>
+                </a:solidFill>
+                <a:effectLst/>
+                <a:latin typeface="Söhne"/>
+              </a:rPr>
+              <a:t>Name</a:t>
+            </a:r>
+            <a:r>
+              <a:rPr lang="en-US" b="0" i="0" dirty="0">
+                <a:solidFill>
+                  <a:srgbClr val="374151"/>
+                </a:solidFill>
+                <a:effectLst/>
+                <a:latin typeface="Söhne"/>
+              </a:rPr>
+              <a:t>: a unique name</a:t>
+            </a:r>
+          </a:p>
+          <a:p>
+            <a:pPr algn="l">
+              <a:buFont typeface="+mj-lt"/>
+              <a:buAutoNum type="arabicPeriod"/>
+            </a:pPr>
+            <a:r>
+              <a:rPr lang="en-US" b="1" i="0" dirty="0">
+                <a:solidFill>
+                  <a:srgbClr val="374151"/>
+                </a:solidFill>
+                <a:effectLst/>
+                <a:latin typeface="Söhne"/>
+              </a:rPr>
+              <a:t>Schema</a:t>
+            </a:r>
+            <a:r>
+              <a:rPr lang="en-US" b="0" i="0" dirty="0">
+                <a:solidFill>
+                  <a:srgbClr val="374151"/>
+                </a:solidFill>
+                <a:effectLst/>
+                <a:latin typeface="Söhne"/>
+              </a:rPr>
+              <a:t>: Defines the data or properties. It sets the types, default values, and other characteristics of the data</a:t>
+            </a:r>
+          </a:p>
+          <a:p>
+            <a:pPr algn="l">
+              <a:buFont typeface="+mj-lt"/>
+              <a:buAutoNum type="arabicPeriod"/>
+            </a:pPr>
+            <a:r>
+              <a:rPr lang="en-US" b="1" i="0" dirty="0">
+                <a:solidFill>
+                  <a:srgbClr val="374151"/>
+                </a:solidFill>
+                <a:effectLst/>
+                <a:latin typeface="Söhne"/>
+              </a:rPr>
+              <a:t>Init</a:t>
+            </a:r>
+            <a:r>
+              <a:rPr lang="en-US" b="0" i="0" dirty="0">
+                <a:solidFill>
+                  <a:srgbClr val="374151"/>
+                </a:solidFill>
+                <a:effectLst/>
+                <a:latin typeface="Söhne"/>
+              </a:rPr>
+              <a:t>: This function is called when a component initialized. </a:t>
+            </a:r>
+          </a:p>
+          <a:p>
+            <a:pPr algn="l">
+              <a:buFont typeface="+mj-lt"/>
+              <a:buAutoNum type="arabicPeriod"/>
+            </a:pPr>
+            <a:r>
+              <a:rPr lang="en-US" b="1" i="0" dirty="0">
+                <a:solidFill>
+                  <a:srgbClr val="374151"/>
+                </a:solidFill>
+                <a:effectLst/>
+                <a:latin typeface="Söhne"/>
+              </a:rPr>
+              <a:t>Update</a:t>
+            </a:r>
+            <a:r>
+              <a:rPr lang="en-US" b="0" i="0" dirty="0">
+                <a:solidFill>
+                  <a:srgbClr val="374151"/>
+                </a:solidFill>
+                <a:effectLst/>
+                <a:latin typeface="Söhne"/>
+              </a:rPr>
+              <a:t>: Called when the component’s data changes</a:t>
+            </a:r>
+          </a:p>
+          <a:p>
+            <a:pPr algn="l">
+              <a:buFont typeface="+mj-lt"/>
+              <a:buAutoNum type="arabicPeriod"/>
+            </a:pPr>
+            <a:r>
+              <a:rPr lang="en-US" b="1" i="0" dirty="0">
+                <a:solidFill>
+                  <a:srgbClr val="374151"/>
+                </a:solidFill>
+                <a:effectLst/>
+                <a:latin typeface="Söhne"/>
+              </a:rPr>
+              <a:t>Tick</a:t>
+            </a:r>
+            <a:r>
+              <a:rPr lang="en-US" b="0" i="0" dirty="0">
+                <a:solidFill>
+                  <a:srgbClr val="374151"/>
+                </a:solidFill>
+                <a:effectLst/>
+                <a:latin typeface="Söhne"/>
+              </a:rPr>
+              <a:t>: Called on every render loop or "frame" of the scene </a:t>
+            </a:r>
+          </a:p>
+          <a:p>
+            <a:pPr algn="l">
+              <a:buFont typeface="+mj-lt"/>
+              <a:buAutoNum type="arabicPeriod"/>
+            </a:pPr>
+            <a:r>
+              <a:rPr lang="en-US" b="1" i="0" dirty="0">
+                <a:solidFill>
+                  <a:srgbClr val="374151"/>
+                </a:solidFill>
+                <a:effectLst/>
+                <a:latin typeface="Söhne"/>
+              </a:rPr>
+              <a:t>Remove</a:t>
+            </a:r>
+            <a:r>
+              <a:rPr lang="en-US" b="0" i="0" dirty="0">
+                <a:solidFill>
+                  <a:srgbClr val="374151"/>
+                </a:solidFill>
+                <a:effectLst/>
+                <a:latin typeface="Söhne"/>
+              </a:rPr>
+              <a:t>: Called when the component is removed</a:t>
+            </a:r>
+          </a:p>
+          <a:p>
+            <a:pPr algn="l">
+              <a:buFont typeface="+mj-lt"/>
+              <a:buAutoNum type="arabicPeriod"/>
+            </a:pPr>
+            <a:r>
+              <a:rPr lang="en-US" b="1" i="0" dirty="0">
+                <a:solidFill>
+                  <a:srgbClr val="374151"/>
+                </a:solidFill>
+                <a:effectLst/>
+                <a:latin typeface="Söhne"/>
+              </a:rPr>
+              <a:t>Pause &amp; Play</a:t>
+            </a:r>
+            <a:r>
+              <a:rPr lang="en-US" b="0" i="0" dirty="0">
+                <a:solidFill>
+                  <a:srgbClr val="374151"/>
+                </a:solidFill>
+                <a:effectLst/>
+                <a:latin typeface="Söhne"/>
+              </a:rPr>
+              <a:t>: Called when the scene or entity is paused or played</a:t>
+            </a:r>
+            <a:endParaRPr lang="en-US" dirty="0"/>
+          </a:p>
+          <a:p>
             <a:pPr marL="0" indent="0">
-              <a:lnSpc>
-                <a:spcPct val="120000"/>
-              </a:lnSpc>
-              <a:spcBef>
-                <a:spcPts val="0"/>
-              </a:spcBef>
-              <a:buNone/>
-            </a:pPr>
-            <a:r>
-              <a:rPr lang="en-US" dirty="0"/>
-              <a:t> </a:t>
-            </a:r>
-            <a:r>
-              <a:rPr lang="en-US" sz="8000" dirty="0"/>
-              <a:t>&lt;body&gt;</a:t>
-            </a:r>
-          </a:p>
-          <a:p>
-            <a:pPr marL="0" indent="0">
-              <a:lnSpc>
-                <a:spcPct val="120000"/>
-              </a:lnSpc>
-              <a:spcBef>
-                <a:spcPts val="0"/>
-              </a:spcBef>
-              <a:buNone/>
-            </a:pPr>
-            <a:r>
-              <a:rPr lang="en-US" sz="8000" dirty="0"/>
-              <a:t>    &lt;script&gt;</a:t>
-            </a:r>
-          </a:p>
-          <a:p>
-            <a:pPr marL="0" indent="0">
-              <a:lnSpc>
-                <a:spcPct val="120000"/>
-              </a:lnSpc>
-              <a:spcBef>
-                <a:spcPts val="0"/>
-              </a:spcBef>
-              <a:buNone/>
-            </a:pPr>
-            <a:r>
-              <a:rPr lang="en-US" sz="8000" dirty="0"/>
-              <a:t>    </a:t>
-            </a:r>
-            <a:r>
-              <a:rPr lang="en-US" sz="8000" dirty="0" err="1"/>
-              <a:t>AFRAME.registerComponent</a:t>
-            </a:r>
-            <a:r>
-              <a:rPr lang="en-US" sz="8000" dirty="0"/>
-              <a:t>(‘</a:t>
-            </a:r>
-            <a:r>
-              <a:rPr lang="en-US" sz="8000" dirty="0">
-                <a:solidFill>
-                  <a:srgbClr val="0070C0"/>
-                </a:solidFill>
-              </a:rPr>
-              <a:t>say-hello</a:t>
-            </a:r>
-            <a:r>
-              <a:rPr lang="en-US" sz="8000" dirty="0"/>
-              <a:t>', {</a:t>
-            </a:r>
-          </a:p>
-          <a:p>
-            <a:pPr marL="0" indent="0">
-              <a:lnSpc>
-                <a:spcPct val="120000"/>
-              </a:lnSpc>
-              <a:spcBef>
-                <a:spcPts val="0"/>
-              </a:spcBef>
-              <a:buNone/>
-            </a:pPr>
-            <a:r>
-              <a:rPr lang="en-US" sz="8000" dirty="0"/>
-              <a:t>        </a:t>
-            </a:r>
-            <a:r>
-              <a:rPr lang="en-US" sz="8000" b="1" dirty="0" err="1">
-                <a:solidFill>
-                  <a:srgbClr val="0070C0"/>
-                </a:solidFill>
-              </a:rPr>
-              <a:t>init</a:t>
-            </a:r>
-            <a:r>
-              <a:rPr lang="en-US" sz="8000" dirty="0"/>
-              <a:t>: function() {</a:t>
-            </a:r>
-          </a:p>
-          <a:p>
-            <a:pPr marL="0" indent="0">
-              <a:lnSpc>
-                <a:spcPct val="120000"/>
-              </a:lnSpc>
-              <a:spcBef>
-                <a:spcPts val="0"/>
-              </a:spcBef>
-              <a:buNone/>
-            </a:pPr>
-            <a:r>
-              <a:rPr lang="en-US" sz="8000" dirty="0"/>
-              <a:t>          console.log("HELLO");</a:t>
-            </a:r>
-          </a:p>
-          <a:p>
-            <a:pPr marL="0" indent="0">
-              <a:lnSpc>
-                <a:spcPct val="120000"/>
-              </a:lnSpc>
-              <a:spcBef>
-                <a:spcPts val="0"/>
-              </a:spcBef>
-              <a:buNone/>
-            </a:pPr>
-            <a:r>
-              <a:rPr lang="en-US" sz="8000" dirty="0"/>
-              <a:t>        },</a:t>
-            </a:r>
-          </a:p>
-          <a:p>
-            <a:pPr marL="0" indent="0">
-              <a:lnSpc>
-                <a:spcPct val="120000"/>
-              </a:lnSpc>
-              <a:spcBef>
-                <a:spcPts val="0"/>
-              </a:spcBef>
-              <a:buNone/>
-            </a:pPr>
-            <a:r>
-              <a:rPr lang="en-US" sz="8000" dirty="0"/>
-              <a:t>        </a:t>
-            </a:r>
-            <a:r>
-              <a:rPr lang="en-US" sz="8000" b="1" dirty="0">
-                <a:solidFill>
-                  <a:srgbClr val="0070C0"/>
-                </a:solidFill>
-              </a:rPr>
-              <a:t>tick</a:t>
-            </a:r>
-            <a:r>
-              <a:rPr lang="en-US" sz="8000" dirty="0"/>
-              <a:t>: function() {</a:t>
-            </a:r>
-          </a:p>
-          <a:p>
-            <a:pPr marL="0" indent="0">
-              <a:lnSpc>
-                <a:spcPct val="120000"/>
-              </a:lnSpc>
-              <a:spcBef>
-                <a:spcPts val="0"/>
-              </a:spcBef>
-              <a:buNone/>
-            </a:pPr>
-            <a:r>
-              <a:rPr lang="en-US" sz="8000" dirty="0"/>
-              <a:t>          console.log(“tick");</a:t>
-            </a:r>
-          </a:p>
-          <a:p>
-            <a:pPr marL="0" indent="0">
-              <a:lnSpc>
-                <a:spcPct val="120000"/>
-              </a:lnSpc>
-              <a:spcBef>
-                <a:spcPts val="0"/>
-              </a:spcBef>
-              <a:buNone/>
-            </a:pPr>
-            <a:r>
-              <a:rPr lang="en-US" sz="8000" dirty="0"/>
-              <a:t>        } });</a:t>
-            </a:r>
-          </a:p>
-          <a:p>
-            <a:pPr marL="0" indent="0">
-              <a:lnSpc>
-                <a:spcPct val="120000"/>
-              </a:lnSpc>
-              <a:spcBef>
-                <a:spcPts val="0"/>
-              </a:spcBef>
-              <a:buNone/>
-            </a:pPr>
-            <a:r>
-              <a:rPr lang="en-US" sz="8000" dirty="0"/>
-              <a:t>    &lt;/script&gt;</a:t>
-            </a:r>
-          </a:p>
-          <a:p>
-            <a:pPr marL="0" indent="0">
-              <a:lnSpc>
-                <a:spcPct val="120000"/>
-              </a:lnSpc>
-              <a:spcBef>
-                <a:spcPts val="0"/>
-              </a:spcBef>
-              <a:buNone/>
-            </a:pPr>
-            <a:r>
-              <a:rPr lang="en-US" sz="8000" dirty="0"/>
-              <a:t>    &lt;a-scene&gt;   </a:t>
-            </a:r>
-          </a:p>
-          <a:p>
-            <a:pPr marL="0" indent="0">
-              <a:lnSpc>
-                <a:spcPct val="120000"/>
-              </a:lnSpc>
-              <a:spcBef>
-                <a:spcPts val="0"/>
-              </a:spcBef>
-              <a:buNone/>
-            </a:pPr>
-            <a:r>
-              <a:rPr lang="en-US" sz="8000" dirty="0"/>
-              <a:t>	 &lt;a-entity </a:t>
-            </a:r>
-            <a:r>
-              <a:rPr lang="en-US" sz="8000" dirty="0">
-                <a:solidFill>
-                  <a:srgbClr val="0070C0"/>
-                </a:solidFill>
-              </a:rPr>
-              <a:t>say-hello</a:t>
-            </a:r>
-            <a:r>
-              <a:rPr lang="en-US" sz="8000" dirty="0"/>
-              <a:t>&gt;&lt;/a-entity&gt; </a:t>
-            </a:r>
-          </a:p>
-          <a:p>
-            <a:pPr marL="0" indent="0">
-              <a:lnSpc>
-                <a:spcPct val="120000"/>
-              </a:lnSpc>
-              <a:spcBef>
-                <a:spcPts val="0"/>
-              </a:spcBef>
-              <a:buNone/>
-            </a:pPr>
-            <a:r>
-              <a:rPr lang="en-US" sz="8000" dirty="0"/>
-              <a:t>      &lt;/a-scene&gt;</a:t>
-            </a:r>
-          </a:p>
-          <a:p>
-            <a:pPr marL="0" indent="0">
-              <a:lnSpc>
-                <a:spcPct val="120000"/>
-              </a:lnSpc>
-              <a:spcBef>
-                <a:spcPts val="0"/>
-              </a:spcBef>
-              <a:buNone/>
-            </a:pPr>
-            <a:r>
-              <a:rPr lang="en-US" sz="8000" dirty="0"/>
-              <a:t>  &lt;/body&gt;</a:t>
-            </a:r>
-          </a:p>
-        </p:txBody>
-      </p:sp>
-      <p:sp>
-        <p:nvSpPr>
-          <p:cNvPr id="4" name="Rectangle 3">
-            <a:extLst>
-              <a:ext uri="{FF2B5EF4-FFF2-40B4-BE49-F238E27FC236}">
-                <a16:creationId xmlns:a16="http://schemas.microsoft.com/office/drawing/2014/main" id="{8CC5D037-F5EA-12E0-7E0E-25FC50F9DF95}"/>
-              </a:ext>
-            </a:extLst>
-          </p:cNvPr>
-          <p:cNvSpPr/>
-          <p:nvPr/>
-        </p:nvSpPr>
-        <p:spPr>
-          <a:xfrm>
-            <a:off x="6932543" y="3344517"/>
-            <a:ext cx="3548270" cy="1699592"/>
-          </a:xfrm>
-          <a:prstGeom prst="rect">
-            <a:avLst/>
-          </a:prstGeom>
-        </p:spPr>
-        <p:style>
-          <a:lnRef idx="2">
-            <a:schemeClr val="accent1">
-              <a:shade val="15000"/>
-            </a:schemeClr>
-          </a:lnRef>
-          <a:fillRef idx="1">
-            <a:schemeClr val="accent1"/>
-          </a:fillRef>
-          <a:effectRef idx="0">
-            <a:schemeClr val="accent1"/>
-          </a:effectRef>
-          <a:fontRef idx="minor">
-            <a:schemeClr val="lt1"/>
-          </a:fontRef>
-        </p:style>
-        <p:txBody>
-          <a:bodyPr rtlCol="0" anchor="ctr"/>
-          <a:lstStyle/>
-          <a:p>
-            <a:pPr algn="ctr"/>
-            <a:r>
-              <a:rPr lang="en-US" dirty="0"/>
-              <a:t>hello-world-</a:t>
-            </a:r>
-            <a:r>
-              <a:rPr lang="en-US"/>
-              <a:t>component.html</a:t>
-            </a:r>
+              <a:buNone/>
+            </a:pPr>
+            <a:endParaRPr lang="en-US" dirty="0"/>
           </a:p>
         </p:txBody>
       </p:sp>
     </p:spTree>
     <p:extLst>
       <p:ext uri="{BB962C8B-B14F-4D97-AF65-F5344CB8AC3E}">
-        <p14:creationId xmlns:p14="http://schemas.microsoft.com/office/powerpoint/2010/main" val="2397543405"/>
+        <p14:creationId xmlns:p14="http://schemas.microsoft.com/office/powerpoint/2010/main" val="3659459161"/>
       </p:ext>
     </p:extLst>
   </p:cSld>
@@ -7681,7 +6589,7 @@
           <p:cNvPr id="2" name="Title 1">
             <a:extLst>
               <a:ext uri="{FF2B5EF4-FFF2-40B4-BE49-F238E27FC236}">
-                <a16:creationId xmlns:a16="http://schemas.microsoft.com/office/drawing/2014/main" id="{89DCC49E-6B1B-AD0B-25E0-9C57C78BE74A}"/>
+                <a16:creationId xmlns:a16="http://schemas.microsoft.com/office/drawing/2014/main" id="{1CC0B43C-7AB4-9845-E22B-9FE5BF15B506}"/>
               </a:ext>
             </a:extLst>
           </p:cNvPr>
@@ -7702,11 +6610,9 @@
                 <a:solidFill>
                   <a:srgbClr val="0070C0"/>
                 </a:solidFill>
-                <a:cs typeface="Calibri Light"/>
-              </a:rPr>
-              <a:t>Basic of an a-frame component</a:t>
-            </a:r>
-            <a:endParaRPr lang="en-US" dirty="0"/>
+              </a:rPr>
+              <a:t>Another Example</a:t>
+            </a:r>
           </a:p>
         </p:txBody>
       </p:sp>
@@ -7715,7 +6621,7 @@
           <p:cNvPr id="3" name="Content Placeholder 2">
             <a:extLst>
               <a:ext uri="{FF2B5EF4-FFF2-40B4-BE49-F238E27FC236}">
-                <a16:creationId xmlns:a16="http://schemas.microsoft.com/office/drawing/2014/main" id="{3EE6101C-B7C0-2860-35F1-EFF33EA476CB}"/>
+                <a16:creationId xmlns:a16="http://schemas.microsoft.com/office/drawing/2014/main" id="{1CA5F020-86BA-8E32-E1E9-D017EB38A47A}"/>
               </a:ext>
             </a:extLst>
           </p:cNvPr>
@@ -7726,212 +6632,234 @@
             <p:ph idx="1"/>
           </p:nvPr>
         </p:nvSpPr>
-        <p:spPr>
-          <a:xfrm>
-            <a:off x="838200" y="1825625"/>
-            <a:ext cx="10515600" cy="4580962"/>
-          </a:xfrm>
-        </p:spPr>
+        <p:spPr/>
         <p:txBody>
           <a:bodyPr>
-            <a:normAutofit/>
+            <a:noAutofit/>
           </a:bodyPr>
           <a:lstStyle/>
           <a:p>
-            <a:pPr algn="l">
-              <a:buFont typeface="+mj-lt"/>
-              <a:buAutoNum type="arabicPeriod"/>
-            </a:pPr>
-            <a:r>
-              <a:rPr lang="en-US" b="1" i="0" dirty="0">
+            <a:pPr marL="0" indent="0">
+              <a:buNone/>
+            </a:pPr>
+            <a:r>
+              <a:rPr lang="en-US" sz="1800" dirty="0"/>
+              <a:t>&lt;script&gt;</a:t>
+            </a:r>
+          </a:p>
+          <a:p>
+            <a:pPr marL="0" indent="0">
+              <a:lnSpc>
+                <a:spcPct val="120000"/>
+              </a:lnSpc>
+              <a:spcBef>
+                <a:spcPts val="0"/>
+              </a:spcBef>
+              <a:buNone/>
+            </a:pPr>
+            <a:r>
+              <a:rPr lang="en-US" sz="1800" dirty="0"/>
+              <a:t>		</a:t>
+            </a:r>
+            <a:r>
+              <a:rPr lang="en-US" sz="1800" dirty="0" err="1"/>
+              <a:t>AFRAME.registerComponent</a:t>
+            </a:r>
+            <a:r>
+              <a:rPr lang="en-US" sz="1800" dirty="0"/>
+              <a:t>('</a:t>
+            </a:r>
+            <a:r>
+              <a:rPr lang="en-US" sz="1800" b="1" dirty="0">
                 <a:solidFill>
-                  <a:srgbClr val="374151"/>
+                  <a:srgbClr val="FF0000"/>
                 </a:solidFill>
-                <a:effectLst/>
-                <a:latin typeface="Söhne"/>
-              </a:rPr>
-              <a:t>Name</a:t>
-            </a:r>
-            <a:r>
-              <a:rPr lang="en-US" b="0" i="0" dirty="0">
+              </a:rPr>
+              <a:t>simple-comp</a:t>
+            </a:r>
+            <a:r>
+              <a:rPr lang="en-US" sz="1800" dirty="0"/>
+              <a:t>', {</a:t>
+            </a:r>
+          </a:p>
+          <a:p>
+            <a:pPr marL="0" indent="0">
+              <a:lnSpc>
+                <a:spcPct val="120000"/>
+              </a:lnSpc>
+              <a:spcBef>
+                <a:spcPts val="0"/>
+              </a:spcBef>
+              <a:buNone/>
+            </a:pPr>
+            <a:r>
+              <a:rPr lang="en-US" sz="1800" dirty="0"/>
+              <a:t>		  </a:t>
+            </a:r>
+            <a:r>
+              <a:rPr lang="en-US" sz="1800" dirty="0" err="1"/>
+              <a:t>init</a:t>
+            </a:r>
+            <a:r>
+              <a:rPr lang="en-US" sz="1800" dirty="0"/>
+              <a:t>: function () { console.log("Yes: simple-comp");  }  });</a:t>
+            </a:r>
+          </a:p>
+          <a:p>
+            <a:pPr marL="0" indent="0">
+              <a:lnSpc>
+                <a:spcPct val="120000"/>
+              </a:lnSpc>
+              <a:spcBef>
+                <a:spcPts val="0"/>
+              </a:spcBef>
+              <a:buNone/>
+            </a:pPr>
+            <a:r>
+              <a:rPr lang="en-US" sz="1800" dirty="0"/>
+              <a:t>		</a:t>
+            </a:r>
+            <a:r>
+              <a:rPr lang="en-US" sz="1800" dirty="0" err="1"/>
+              <a:t>AFRAME.registerComponent</a:t>
+            </a:r>
+            <a:r>
+              <a:rPr lang="en-US" sz="1800" dirty="0"/>
+              <a:t>('other-comp', {</a:t>
+            </a:r>
+          </a:p>
+          <a:p>
+            <a:pPr marL="0" indent="0">
+              <a:lnSpc>
+                <a:spcPct val="120000"/>
+              </a:lnSpc>
+              <a:spcBef>
+                <a:spcPts val="0"/>
+              </a:spcBef>
+              <a:buNone/>
+            </a:pPr>
+            <a:r>
+              <a:rPr lang="en-US" sz="1800" dirty="0"/>
+              <a:t>		  schema: {</a:t>
+            </a:r>
+          </a:p>
+          <a:p>
+            <a:pPr marL="0" indent="0">
+              <a:lnSpc>
+                <a:spcPct val="120000"/>
+              </a:lnSpc>
+              <a:spcBef>
+                <a:spcPts val="0"/>
+              </a:spcBef>
+              <a:buNone/>
+            </a:pPr>
+            <a:r>
+              <a:rPr lang="en-US" sz="1800" dirty="0"/>
+              <a:t>			message: {type: '</a:t>
+            </a:r>
+            <a:r>
+              <a:rPr lang="en-US" sz="1800" dirty="0" err="1"/>
+              <a:t>string',default</a:t>
+            </a:r>
+            <a:r>
+              <a:rPr lang="en-US" sz="1800" dirty="0"/>
+              <a:t>: "Good day!" }</a:t>
+            </a:r>
+          </a:p>
+          <a:p>
+            <a:pPr marL="0" indent="0">
+              <a:lnSpc>
+                <a:spcPct val="120000"/>
+              </a:lnSpc>
+              <a:spcBef>
+                <a:spcPts val="0"/>
+              </a:spcBef>
+              <a:buNone/>
+            </a:pPr>
+            <a:r>
+              <a:rPr lang="en-US" sz="1800" dirty="0"/>
+              <a:t>		  },</a:t>
+            </a:r>
+          </a:p>
+          <a:p>
+            <a:pPr marL="0" indent="0">
+              <a:lnSpc>
+                <a:spcPct val="120000"/>
+              </a:lnSpc>
+              <a:spcBef>
+                <a:spcPts val="0"/>
+              </a:spcBef>
+              <a:buNone/>
+            </a:pPr>
+            <a:r>
+              <a:rPr lang="en-US" sz="1800" dirty="0"/>
+              <a:t>		  </a:t>
+            </a:r>
+            <a:r>
+              <a:rPr lang="en-US" sz="1800" dirty="0" err="1"/>
+              <a:t>init</a:t>
+            </a:r>
+            <a:r>
+              <a:rPr lang="en-US" sz="1800" dirty="0"/>
+              <a:t>: function () { console.log(</a:t>
+            </a:r>
+            <a:r>
+              <a:rPr lang="en-US" sz="1800" dirty="0" err="1"/>
+              <a:t>this.data.message</a:t>
+            </a:r>
+            <a:r>
+              <a:rPr lang="en-US" sz="1800" dirty="0"/>
+              <a:t>);  },</a:t>
+            </a:r>
+          </a:p>
+          <a:p>
+            <a:pPr marL="0" indent="0">
+              <a:lnSpc>
+                <a:spcPct val="120000"/>
+              </a:lnSpc>
+              <a:spcBef>
+                <a:spcPts val="0"/>
+              </a:spcBef>
+              <a:buNone/>
+            </a:pPr>
+            <a:r>
+              <a:rPr lang="en-US" sz="1800" dirty="0"/>
+              <a:t>		</a:t>
+            </a:r>
+            <a:r>
+              <a:rPr lang="en-US" sz="1800" dirty="0">
                 <a:solidFill>
-                  <a:srgbClr val="374151"/>
+                  <a:srgbClr val="0070C0"/>
                 </a:solidFill>
-                <a:effectLst/>
-                <a:latin typeface="Söhne"/>
-              </a:rPr>
-              <a:t>: a unique name</a:t>
-            </a:r>
-          </a:p>
-          <a:p>
-            <a:pPr algn="l">
-              <a:buFont typeface="+mj-lt"/>
-              <a:buAutoNum type="arabicPeriod"/>
-            </a:pPr>
-            <a:r>
-              <a:rPr lang="en-US" b="1" i="0" dirty="0">
-                <a:solidFill>
-                  <a:srgbClr val="374151"/>
-                </a:solidFill>
-                <a:effectLst/>
-                <a:latin typeface="Söhne"/>
-              </a:rPr>
-              <a:t>Schema</a:t>
-            </a:r>
-            <a:r>
-              <a:rPr lang="en-US" b="0" i="0" dirty="0">
-                <a:solidFill>
-                  <a:srgbClr val="374151"/>
-                </a:solidFill>
-                <a:effectLst/>
-                <a:latin typeface="Söhne"/>
-              </a:rPr>
-              <a:t>: Defines the data or properties. It sets the types, default values, and other characteristics of the data</a:t>
-            </a:r>
-          </a:p>
-          <a:p>
-            <a:pPr algn="l">
-              <a:buFont typeface="+mj-lt"/>
-              <a:buAutoNum type="arabicPeriod"/>
-            </a:pPr>
-            <a:r>
-              <a:rPr lang="en-US" b="1" i="0" dirty="0">
-                <a:solidFill>
-                  <a:srgbClr val="374151"/>
-                </a:solidFill>
-                <a:effectLst/>
-                <a:latin typeface="Söhne"/>
-              </a:rPr>
-              <a:t>Init</a:t>
-            </a:r>
-            <a:r>
-              <a:rPr lang="en-US" b="0" i="0" dirty="0">
-                <a:solidFill>
-                  <a:srgbClr val="374151"/>
-                </a:solidFill>
-                <a:effectLst/>
-                <a:latin typeface="Söhne"/>
-              </a:rPr>
-              <a:t>: This function is called when a component initialized. </a:t>
-            </a:r>
-          </a:p>
-          <a:p>
-            <a:pPr algn="l">
-              <a:buFont typeface="+mj-lt"/>
-              <a:buAutoNum type="arabicPeriod"/>
-            </a:pPr>
-            <a:r>
-              <a:rPr lang="en-US" b="1" i="0" dirty="0">
-                <a:solidFill>
-                  <a:srgbClr val="374151"/>
-                </a:solidFill>
-                <a:effectLst/>
-                <a:latin typeface="Söhne"/>
-              </a:rPr>
-              <a:t>Update</a:t>
-            </a:r>
-            <a:r>
-              <a:rPr lang="en-US" b="0" i="0" dirty="0">
-                <a:solidFill>
-                  <a:srgbClr val="374151"/>
-                </a:solidFill>
-                <a:effectLst/>
-                <a:latin typeface="Söhne"/>
-              </a:rPr>
-              <a:t>: Called when the component’s data changes</a:t>
-            </a:r>
-          </a:p>
-          <a:p>
-            <a:pPr algn="l">
-              <a:buFont typeface="+mj-lt"/>
-              <a:buAutoNum type="arabicPeriod"/>
-            </a:pPr>
-            <a:r>
-              <a:rPr lang="en-US" b="1" i="0" dirty="0">
-                <a:solidFill>
-                  <a:srgbClr val="374151"/>
-                </a:solidFill>
-                <a:effectLst/>
-                <a:latin typeface="Söhne"/>
-              </a:rPr>
-              <a:t>Tick</a:t>
-            </a:r>
-            <a:r>
-              <a:rPr lang="en-US" b="0" i="0" dirty="0">
-                <a:solidFill>
-                  <a:srgbClr val="374151"/>
-                </a:solidFill>
-                <a:effectLst/>
-                <a:latin typeface="Söhne"/>
-              </a:rPr>
-              <a:t>: Called on every render loop or "frame" of the scene </a:t>
-            </a:r>
-          </a:p>
-          <a:p>
-            <a:pPr algn="l">
-              <a:buFont typeface="+mj-lt"/>
-              <a:buAutoNum type="arabicPeriod"/>
-            </a:pPr>
-            <a:r>
-              <a:rPr lang="en-US" b="1" i="0" dirty="0">
-                <a:solidFill>
-                  <a:srgbClr val="374151"/>
-                </a:solidFill>
-                <a:effectLst/>
-                <a:latin typeface="Söhne"/>
-              </a:rPr>
-              <a:t>Remove</a:t>
-            </a:r>
-            <a:r>
-              <a:rPr lang="en-US" b="0" i="0" dirty="0">
-                <a:solidFill>
-                  <a:srgbClr val="374151"/>
-                </a:solidFill>
-                <a:effectLst/>
-                <a:latin typeface="Söhne"/>
-              </a:rPr>
-              <a:t>: Called when the component is removed</a:t>
-            </a:r>
-          </a:p>
-          <a:p>
-            <a:pPr algn="l">
-              <a:buFont typeface="+mj-lt"/>
-              <a:buAutoNum type="arabicPeriod"/>
-            </a:pPr>
-            <a:r>
-              <a:rPr lang="en-US" b="1" i="0" dirty="0">
-                <a:solidFill>
-                  <a:srgbClr val="374151"/>
-                </a:solidFill>
-                <a:effectLst/>
-                <a:latin typeface="Söhne"/>
-              </a:rPr>
-              <a:t>Pause &amp; Play</a:t>
-            </a:r>
-            <a:r>
-              <a:rPr lang="en-US" b="0" i="0" dirty="0">
-                <a:solidFill>
-                  <a:srgbClr val="374151"/>
-                </a:solidFill>
-                <a:effectLst/>
-                <a:latin typeface="Söhne"/>
-              </a:rPr>
-              <a:t>: Called when the scene or entity is paused or played</a:t>
-            </a:r>
-            <a:endParaRPr lang="en-US" dirty="0"/>
+              </a:rPr>
+              <a:t>multiple: true   </a:t>
+            </a:r>
+            <a:r>
+              <a:rPr lang="en-US" sz="1800" dirty="0"/>
+              <a:t>});</a:t>
+            </a:r>
           </a:p>
           <a:p>
             <a:pPr marL="0" indent="0">
-              <a:buNone/>
-            </a:pPr>
-            <a:endParaRPr lang="en-US" dirty="0"/>
+              <a:lnSpc>
+                <a:spcPct val="120000"/>
+              </a:lnSpc>
+              <a:spcBef>
+                <a:spcPts val="0"/>
+              </a:spcBef>
+              <a:buNone/>
+            </a:pPr>
+            <a:r>
+              <a:rPr lang="en-US" sz="1800" dirty="0"/>
+              <a:t>&lt;/script&gt;</a:t>
+            </a:r>
           </a:p>
         </p:txBody>
       </p:sp>
     </p:spTree>
     <p:extLst>
       <p:ext uri="{BB962C8B-B14F-4D97-AF65-F5344CB8AC3E}">
-        <p14:creationId xmlns:p14="http://schemas.microsoft.com/office/powerpoint/2010/main" val="3659459161"/>
+        <p14:creationId xmlns:p14="http://schemas.microsoft.com/office/powerpoint/2010/main" val="276914043"/>
       </p:ext>
     </p:extLst>
   </p:cSld>
@@ -7985,8 +6913,17 @@
                   <a:srgbClr val="0070C0"/>
                 </a:solidFill>
               </a:rPr>
-              <a:t>Another Example</a:t>
-            </a:r>
+              <a:t>Another Example, </a:t>
+            </a:r>
+            <a:r>
+              <a:rPr lang="en-US" b="1" dirty="0" err="1">
+                <a:solidFill>
+                  <a:srgbClr val="0070C0"/>
+                </a:solidFill>
+              </a:rPr>
+              <a:t>cont</a:t>
+            </a:r>
+            <a:endParaRPr lang="en-US" dirty="0"/>
           </a:p>
         </p:txBody>
       </p:sp>
@@ -8009,18 +6946,9 @@
         <p:spPr/>
         <p:txBody>
           <a:bodyPr>
-            <a:noAutofit/>
+            <a:normAutofit fontScale="77500" lnSpcReduction="20000"/>
           </a:bodyPr>
           <a:lstStyle/>
-          <a:p>
-            <a:pPr marL="0" indent="0">
-              <a:buNone/>
-            </a:pPr>
-            <a:r>
-              <a:rPr lang="en-US" sz="1800" dirty="0"/>
-              <a:t>&lt;script&gt;</a:t>
-            </a:r>
-          </a:p>
           <a:p>
             <a:pPr marL="0" indent="0">
               <a:lnSpc>
@@ -8031,30 +6959,7 @@
               </a:spcBef>
               <a:buNone/>
             </a:pPr>
-            <a:r>
-              <a:rPr lang="en-US" sz="1800" dirty="0"/>
-              <a:t>		</a:t>
-            </a:r>
-            <a:r>
-              <a:rPr lang="en-US" sz="1800" dirty="0" err="1"/>
-              <a:t>AFRAME.registerComponent</a:t>
-            </a:r>
-            <a:r>
-              <a:rPr lang="en-US" sz="1800" dirty="0"/>
-              <a:t>('</a:t>
-            </a:r>
-            <a:r>
-              <a:rPr lang="en-US" sz="1800" b="1" dirty="0">
-                <a:solidFill>
-                  <a:srgbClr val="FF0000"/>
-                </a:solidFill>
-              </a:rPr>
-              <a:t>simple-comp</a:t>
-            </a:r>
-            <a:r>
-              <a:rPr lang="en-US" sz="1800" dirty="0"/>
-              <a:t>', {</a:t>
-            </a:r>
+            <a:endParaRPr lang="en-US" sz="4400" dirty="0"/>
           </a:p>
           <a:p>
             <a:pPr marL="0" indent="0">
@@ -8067,16 +6972,8 @@
               <a:buNone/>
             </a:pPr>
             <a:r>
-              <a:rPr lang="en-US" sz="1800" dirty="0"/>
-              <a:t>		  </a:t>
-            </a:r>
-            <a:r>
-              <a:rPr lang="en-US" sz="1800" dirty="0" err="1"/>
-              <a:t>init</a:t>
-            </a:r>
-            <a:r>
-              <a:rPr lang="en-US" sz="1800" dirty="0"/>
-              <a:t>: function () { console.log("Yes: simple-comp");  }  });</a:t>
+              <a:rPr lang="en-US" sz="4400" dirty="0"/>
+              <a:t>&lt;a-scene&gt;</a:t>
             </a:r>
           </a:p>
           <a:p>
@@ -8090,16 +6987,20 @@
               <a:buNone/>
             </a:pPr>
             <a:r>
-              <a:rPr lang="en-US" sz="1800" dirty="0"/>
-              <a:t>		</a:t>
-            </a:r>
-            <a:r>
-              <a:rPr lang="en-US" sz="1800" dirty="0" err="1"/>
-              <a:t>AFRAME.registerComponent</a:t>
-            </a:r>
-            <a:r>
-              <a:rPr lang="en-US" sz="1800" dirty="0"/>
-              <a:t>('other-comp', {</a:t>
+              <a:rPr lang="en-US" sz="4400" dirty="0"/>
+              <a:t>     &lt;a-entity </a:t>
+            </a:r>
+            <a:r>
+              <a:rPr lang="en-US" sz="4400" dirty="0">
+                <a:solidFill>
+                  <a:srgbClr val="FF0000"/>
+                </a:solidFill>
+              </a:rPr>
+              <a:t>simple-comp</a:t>
+            </a:r>
+            <a:r>
+              <a:rPr lang="en-US" sz="4400" dirty="0"/>
+              <a:t>&gt;&lt;/a-entity&gt;</a:t>
             </a:r>
           </a:p>
           <a:p>
@@ -8113,8 +7014,8 @@
               <a:buNone/>
             </a:pPr>
             <a:r>
-              <a:rPr lang="en-US" sz="1800" dirty="0"/>
-              <a:t>		  schema: {</a:t>
+              <a:rPr lang="en-US" sz="4400" dirty="0"/>
+              <a:t>     &lt;a-entity other-comp&gt;&lt;/a-entity&gt;</a:t>
             </a:r>
           </a:p>
           <a:p>
@@ -8128,16 +7029,20 @@
               <a:buNone/>
             </a:pPr>
             <a:r>
-              <a:rPr lang="en-US" sz="1800" dirty="0"/>
-              <a:t>			message: {type: '</a:t>
-            </a:r>
-            <a:r>
-              <a:rPr lang="en-US" sz="1800" dirty="0" err="1"/>
-              <a:t>string',default</a:t>
-            </a:r>
-            <a:r>
-              <a:rPr lang="en-US" sz="1800" dirty="0"/>
-              <a:t>: "Good day!" }</a:t>
+              <a:rPr lang="en-US" sz="4400" dirty="0"/>
+              <a:t>     &lt;a-entity </a:t>
+            </a:r>
+            <a:r>
+              <a:rPr lang="en-US" sz="4400" dirty="0">
+                <a:solidFill>
+                  <a:srgbClr val="FF0000"/>
+                </a:solidFill>
+              </a:rPr>
+              <a:t>simple-comp</a:t>
+            </a:r>
+            <a:r>
+              <a:rPr lang="en-US" sz="4400" dirty="0"/>
+              <a:t>="message: Hello, Metaverse!"&gt;</a:t>
             </a:r>
           </a:p>
           <a:p>
@@ -8151,8 +7056,8 @@
               <a:buNone/>
             </a:pPr>
             <a:r>
-              <a:rPr lang="en-US" sz="1800" dirty="0"/>
-              <a:t>		  },</a:t>
+              <a:rPr lang="en-US" sz="4400" dirty="0"/>
+              <a:t>	&lt;/a-entity&gt;</a:t>
             </a:r>
           </a:p>
           <a:p>
@@ -8166,24 +7071,8 @@
               <a:buNone/>
             </a:pPr>
             <a:r>
-              <a:rPr lang="en-US" sz="1800" dirty="0"/>
-              <a:t>		  </a:t>
-            </a:r>
-            <a:r>
-              <a:rPr lang="en-US" sz="1800" dirty="0" err="1"/>
-              <a:t>init</a:t>
-            </a:r>
-            <a:r>
-              <a:rPr lang="en-US" sz="1800" dirty="0"/>
-              <a:t>: function () { console.log(</a:t>
-            </a:r>
-            <a:r>
-              <a:rPr lang="en-US" sz="1800" dirty="0" err="1"/>
-              <a:t>this.data.message</a:t>
-            </a:r>
-            <a:r>
-              <a:rPr lang="en-US" sz="1800" dirty="0"/>
-              <a:t>);  },</a:t>
+              <a:rPr lang="en-US" sz="4400" dirty="0"/>
+              <a:t>&lt;/a-scene&gt;</a:t>
             </a:r>
           </a:p>
           <a:p>
@@ -8197,35 +7086,8 @@
               <a:buNone/>
             </a:pPr>
             <a:r>
-              <a:rPr lang="en-US" sz="1800" dirty="0"/>
-              <a:t>		</a:t>
-            </a:r>
-            <a:r>
-              <a:rPr lang="en-US" sz="1800" dirty="0">
-                <a:solidFill>
-                  <a:srgbClr val="0070C0"/>
-                </a:solidFill>
-              </a:rPr>
-              <a:t>multiple: true   </a:t>
-            </a:r>
-            <a:r>
-              <a:rPr lang="en-US" sz="1800" dirty="0"/>
-              <a:t>});</a:t>
-            </a:r>
-          </a:p>
-          <a:p>
-            <a:pPr marL="0" indent="0">
-              <a:lnSpc>
-                <a:spcPct val="120000"/>
-              </a:lnSpc>
-              <a:spcBef>
-                <a:spcPts val="0"/>
-              </a:spcBef>
-              <a:buNone/>
-            </a:pPr>
-            <a:r>
-              <a:rPr lang="en-US" sz="1800" dirty="0"/>
-              <a:t>&lt;/script&gt;</a:t>
+              <a:rPr lang="en-US" sz="4400" dirty="0"/>
+              <a:t>  </a:t>
             </a:r>
           </a:p>
         </p:txBody>
@@ -8233,7 +7095,7 @@
     </p:spTree>
     <p:extLst>
       <p:ext uri="{BB962C8B-B14F-4D97-AF65-F5344CB8AC3E}">
-        <p14:creationId xmlns:p14="http://schemas.microsoft.com/office/powerpoint/2010/main" val="276914043"/>
+        <p14:creationId xmlns:p14="http://schemas.microsoft.com/office/powerpoint/2010/main" val="3356988479"/>
       </p:ext>
     </p:extLst>
   </p:cSld>
@@ -8265,7 +7127,7 @@
           <p:cNvPr id="2" name="Title 1">
             <a:extLst>
               <a:ext uri="{FF2B5EF4-FFF2-40B4-BE49-F238E27FC236}">
-                <a16:creationId xmlns:a16="http://schemas.microsoft.com/office/drawing/2014/main" id="{1CC0B43C-7AB4-9845-E22B-9FE5BF15B506}"/>
+                <a16:creationId xmlns:a16="http://schemas.microsoft.com/office/drawing/2014/main" id="{D161356C-484A-AB76-6132-5AAD54D2DC72}"/>
               </a:ext>
             </a:extLst>
           </p:cNvPr>
@@ -8276,28 +7138,24 @@
             <p:ph type="title"/>
           </p:nvPr>
         </p:nvSpPr>
-        <p:spPr/>
+        <p:spPr>
+          <a:xfrm>
+            <a:off x="903514" y="340005"/>
+            <a:ext cx="10515600" cy="1325563"/>
+          </a:xfrm>
+        </p:spPr>
         <p:txBody>
           <a:bodyPr/>
           <a:lstStyle/>
           <a:p>
             <a:r>
-              <a:rPr lang="en-US" b="1" dirty="0">
+              <a:rPr lang="en-US" dirty="0">
                 <a:solidFill>
                   <a:srgbClr val="0070C0"/>
                 </a:solidFill>
               </a:rPr>
-              <a:t>Another Example, </a:t>
-            </a:r>
-            <a:r>
-              <a:rPr lang="en-US" b="1" dirty="0" err="1">
-                <a:solidFill>
-                  <a:srgbClr val="0070C0"/>
-                </a:solidFill>
-              </a:rPr>
-              <a:t>cont</a:t>
-            </a:r>
-            <a:endParaRPr lang="en-US" dirty="0"/>
+              <a:t>Attaching a new component to a scene</a:t>
+            </a:r>
           </a:p>
         </p:txBody>
       </p:sp>
@@ -8306,7 +7164,7 @@
           <p:cNvPr id="3" name="Content Placeholder 2">
             <a:extLst>
               <a:ext uri="{FF2B5EF4-FFF2-40B4-BE49-F238E27FC236}">
-                <a16:creationId xmlns:a16="http://schemas.microsoft.com/office/drawing/2014/main" id="{1CA5F020-86BA-8E32-E1E9-D017EB38A47A}"/>
+                <a16:creationId xmlns:a16="http://schemas.microsoft.com/office/drawing/2014/main" id="{F1820236-2515-D6E4-7C48-0874DD970B59}"/>
               </a:ext>
             </a:extLst>
           </p:cNvPr>
@@ -8319,9 +7177,7 @@
         </p:nvSpPr>
         <p:spPr/>
         <p:txBody>
-          <a:bodyPr>
-            <a:normAutofit fontScale="77500" lnSpcReduction="20000"/>
-          </a:bodyPr>
+          <a:bodyPr/>
           <a:lstStyle/>
           <a:p>
             <a:pPr marL="0" indent="0">
@@ -8333,7 +7189,7 @@
               </a:spcBef>
               <a:buNone/>
             </a:pPr>
-            <a:endParaRPr lang="en-US" sz="4400" dirty="0"/>
+            <a:endParaRPr lang="en-US" sz="2800" dirty="0"/>
           </a:p>
           <a:p>
             <a:pPr marL="0" indent="0">
@@ -8346,8 +7202,12 @@
               <a:buNone/>
             </a:pPr>
             <a:r>
-              <a:rPr lang="en-US" sz="4400" dirty="0"/>
-              <a:t>&lt;a-scene&gt;</a:t>
+              <a:rPr lang="en-US" sz="2800" dirty="0" err="1"/>
+              <a:t>AFRAME.registerComponent</a:t>
+            </a:r>
+            <a:r>
+              <a:rPr lang="en-US" sz="2800" dirty="0"/>
+              <a:t>('new-comp', {</a:t>
             </a:r>
           </a:p>
           <a:p>
@@ -8361,20 +7221,16 @@
               <a:buNone/>
             </a:pPr>
             <a:r>
-              <a:rPr lang="en-US" sz="4400" dirty="0"/>
-              <a:t>     &lt;a-entity </a:t>
-            </a:r>
-            <a:r>
-              <a:rPr lang="en-US" sz="4400" dirty="0">
-                <a:solidFill>
-                  <a:srgbClr val="FF0000"/>
-                </a:solidFill>
-              </a:rPr>
-              <a:t>simple-comp</a:t>
-            </a:r>
-            <a:r>
-              <a:rPr lang="en-US" sz="4400" dirty="0"/>
-              <a:t>&gt;&lt;/a-entity&gt;</a:t>
+              <a:rPr lang="en-US" sz="2800" dirty="0"/>
+              <a:t>	  </a:t>
+            </a:r>
+            <a:r>
+              <a:rPr lang="en-US" sz="2800" dirty="0" err="1"/>
+              <a:t>init</a:t>
+            </a:r>
+            <a:r>
+              <a:rPr lang="en-US" sz="2800" dirty="0"/>
+              <a:t>: function () {</a:t>
             </a:r>
           </a:p>
           <a:p>
@@ -8388,8 +7244,24 @@
               <a:buNone/>
             </a:pPr>
             <a:r>
-              <a:rPr lang="en-US" sz="4400" dirty="0"/>
-              <a:t>     &lt;a-entity other-comp&gt;&lt;/a-entity&gt;</a:t>
+              <a:rPr lang="en-US" dirty="0"/>
+              <a:t>		</a:t>
+            </a:r>
+            <a:r>
+              <a:rPr lang="en-US" b="1" dirty="0">
+                <a:solidFill>
+                  <a:srgbClr val="0070C0"/>
+                </a:solidFill>
+              </a:rPr>
+              <a:t>var</a:t>
+            </a:r>
+            <a:r>
+              <a:rPr lang="en-US" dirty="0">
+                <a:solidFill>
+                  <a:srgbClr val="0070C0"/>
+                </a:solidFill>
+              </a:rPr>
+              <a:t> sceneE1 = this.e1;</a:t>
             </a:r>
           </a:p>
           <a:p>
@@ -8403,20 +7275,8 @@
               <a:buNone/>
             </a:pPr>
             <a:r>
-              <a:rPr lang="en-US" sz="4400" dirty="0"/>
-              <a:t>     &lt;a-entity </a:t>
-            </a:r>
-            <a:r>
-              <a:rPr lang="en-US" sz="4400" dirty="0">
-                <a:solidFill>
-                  <a:srgbClr val="FF0000"/>
-                </a:solidFill>
-              </a:rPr>
-              <a:t>simple-comp</a:t>
-            </a:r>
-            <a:r>
-              <a:rPr lang="en-US" sz="4400" dirty="0"/>
-              <a:t>="message: Hello, Metaverse!"&gt;</a:t>
+              <a:rPr lang="en-US" sz="2800" dirty="0"/>
+              <a:t>	}  </a:t>
             </a:r>
           </a:p>
           <a:p>
@@ -8430,46 +7290,22 @@
               <a:buNone/>
             </a:pPr>
             <a:r>
-              <a:rPr lang="en-US" sz="4400" dirty="0"/>
-              <a:t>	&lt;/a-entity&gt;</a:t>
+              <a:rPr lang="en-US" sz="2800" dirty="0"/>
+              <a:t>});</a:t>
             </a:r>
           </a:p>
           <a:p>
             <a:pPr marL="0" indent="0">
-              <a:lnSpc>
-                <a:spcPct val="120000"/>
-              </a:lnSpc>
-              <a:spcBef>
-                <a:spcPts val="0"/>
-              </a:spcBef>
-              <a:buNone/>
-            </a:pPr>
-            <a:r>
-              <a:rPr lang="en-US" sz="4400" dirty="0"/>
-              <a:t>&lt;/a-scene&gt;</a:t>
-            </a:r>
-          </a:p>
-          <a:p>
-            <a:pPr marL="0" indent="0">
-              <a:lnSpc>
-                <a:spcPct val="120000"/>
-              </a:lnSpc>
-              <a:spcBef>
-                <a:spcPts val="0"/>
-              </a:spcBef>
-              <a:buNone/>
-            </a:pPr>
-            <a:r>
-              <a:rPr lang="en-US" sz="4400" dirty="0"/>
-              <a:t>  </a:t>
-            </a:r>
+              <a:buNone/>
+            </a:pPr>
+            <a:endParaRPr lang="en-US" dirty="0"/>
           </a:p>
         </p:txBody>
       </p:sp>
     </p:spTree>
     <p:extLst>
       <p:ext uri="{BB962C8B-B14F-4D97-AF65-F5344CB8AC3E}">
-        <p14:creationId xmlns:p14="http://schemas.microsoft.com/office/powerpoint/2010/main" val="3356988479"/>
+        <p14:creationId xmlns:p14="http://schemas.microsoft.com/office/powerpoint/2010/main" val="3587983780"/>
       </p:ext>
     </p:extLst>
   </p:cSld>

--- a/p05/Defining-a-frame-components.pptx
+++ b/p05/Defining-a-frame-components.pptx
@@ -208,7 +208,7 @@
           <a:p>
             <a:fld id="{0CC22E7C-05FA-4B07-9A3E-26967016A603}" type="datetimeFigureOut">
               <a:rPr lang="en-US" smtClean="0"/>
-              <a:t>10/19/2024</a:t>
+              <a:t>10/26/2024</a:t>
             </a:fld>
             <a:endParaRPr lang="en-US"/>
           </a:p>
@@ -606,7 +606,7 @@
           <a:p>
             <a:fld id="{846CE7D5-CF57-46EF-B807-FDD0502418D4}" type="datetimeFigureOut">
               <a:rPr lang="en-US" smtClean="0"/>
-              <a:t>10/19/2024</a:t>
+              <a:t>10/26/2024</a:t>
             </a:fld>
             <a:endParaRPr lang="en-US"/>
           </a:p>
@@ -776,7 +776,7 @@
           <a:p>
             <a:fld id="{846CE7D5-CF57-46EF-B807-FDD0502418D4}" type="datetimeFigureOut">
               <a:rPr lang="en-US" smtClean="0"/>
-              <a:t>10/19/2024</a:t>
+              <a:t>10/26/2024</a:t>
             </a:fld>
             <a:endParaRPr lang="en-US"/>
           </a:p>
@@ -956,7 +956,7 @@
           <a:p>
             <a:fld id="{846CE7D5-CF57-46EF-B807-FDD0502418D4}" type="datetimeFigureOut">
               <a:rPr lang="en-US" smtClean="0"/>
-              <a:t>10/19/2024</a:t>
+              <a:t>10/26/2024</a:t>
             </a:fld>
             <a:endParaRPr lang="en-US"/>
           </a:p>
@@ -1126,7 +1126,7 @@
           <a:p>
             <a:fld id="{846CE7D5-CF57-46EF-B807-FDD0502418D4}" type="datetimeFigureOut">
               <a:rPr lang="en-US" smtClean="0"/>
-              <a:t>10/19/2024</a:t>
+              <a:t>10/26/2024</a:t>
             </a:fld>
             <a:endParaRPr lang="en-US"/>
           </a:p>
@@ -1372,7 +1372,7 @@
           <a:p>
             <a:fld id="{846CE7D5-CF57-46EF-B807-FDD0502418D4}" type="datetimeFigureOut">
               <a:rPr lang="en-US" smtClean="0"/>
-              <a:t>10/19/2024</a:t>
+              <a:t>10/26/2024</a:t>
             </a:fld>
             <a:endParaRPr lang="en-US"/>
           </a:p>
@@ -1604,7 +1604,7 @@
           <a:p>
             <a:fld id="{846CE7D5-CF57-46EF-B807-FDD0502418D4}" type="datetimeFigureOut">
               <a:rPr lang="en-US" smtClean="0"/>
-              <a:t>10/19/2024</a:t>
+              <a:t>10/26/2024</a:t>
             </a:fld>
             <a:endParaRPr lang="en-US"/>
           </a:p>
@@ -1971,7 +1971,7 @@
           <a:p>
             <a:fld id="{846CE7D5-CF57-46EF-B807-FDD0502418D4}" type="datetimeFigureOut">
               <a:rPr lang="en-US" smtClean="0"/>
-              <a:t>10/19/2024</a:t>
+              <a:t>10/26/2024</a:t>
             </a:fld>
             <a:endParaRPr lang="en-US"/>
           </a:p>
@@ -2089,7 +2089,7 @@
           <a:p>
             <a:fld id="{846CE7D5-CF57-46EF-B807-FDD0502418D4}" type="datetimeFigureOut">
               <a:rPr lang="en-US" smtClean="0"/>
-              <a:t>10/19/2024</a:t>
+              <a:t>10/26/2024</a:t>
             </a:fld>
             <a:endParaRPr lang="en-US"/>
           </a:p>
@@ -2184,7 +2184,7 @@
           <a:p>
             <a:fld id="{846CE7D5-CF57-46EF-B807-FDD0502418D4}" type="datetimeFigureOut">
               <a:rPr lang="en-US" smtClean="0"/>
-              <a:t>10/19/2024</a:t>
+              <a:t>10/26/2024</a:t>
             </a:fld>
             <a:endParaRPr lang="en-US"/>
           </a:p>
@@ -2461,7 +2461,7 @@
           <a:p>
             <a:fld id="{846CE7D5-CF57-46EF-B807-FDD0502418D4}" type="datetimeFigureOut">
               <a:rPr lang="en-US" smtClean="0"/>
-              <a:t>10/19/2024</a:t>
+              <a:t>10/26/2024</a:t>
             </a:fld>
             <a:endParaRPr lang="en-US"/>
           </a:p>
@@ -2718,7 +2718,7 @@
           <a:p>
             <a:fld id="{846CE7D5-CF57-46EF-B807-FDD0502418D4}" type="datetimeFigureOut">
               <a:rPr lang="en-US" smtClean="0"/>
-              <a:t>10/19/2024</a:t>
+              <a:t>10/26/2024</a:t>
             </a:fld>
             <a:endParaRPr lang="en-US"/>
           </a:p>
@@ -2931,7 +2931,7 @@
           <a:p>
             <a:fld id="{846CE7D5-CF57-46EF-B807-FDD0502418D4}" type="datetimeFigureOut">
               <a:rPr lang="en-US" smtClean="0"/>
-              <a:t>10/19/2024</a:t>
+              <a:t>10/26/2024</a:t>
             </a:fld>
             <a:endParaRPr lang="en-US"/>
           </a:p>

--- a/p05/Defining-a-frame-components.pptx
+++ b/p05/Defining-a-frame-components.pptx
@@ -5102,7 +5102,7 @@
                 <a:ea typeface="Calibri" panose="020F0502020204030204"/>
                 <a:cs typeface="Calibri" panose="020F0502020204030204"/>
               </a:rPr>
-              <a:t>Cameras</a:t>
+              <a:t>Motivation</a:t>
             </a:r>
           </a:p>
           <a:p>
@@ -6662,15 +6662,15 @@
               <a:t>		</a:t>
             </a:r>
             <a:r>
-              <a:rPr lang="en-US" sz="1800" dirty="0" err="1"/>
+              <a:rPr lang="en-US" dirty="0" err="1"/>
               <a:t>AFRAME.registerComponent</a:t>
             </a:r>
             <a:r>
-              <a:rPr lang="en-US" sz="1800" dirty="0"/>
+              <a:rPr lang="en-US" dirty="0"/>
               <a:t>('</a:t>
             </a:r>
             <a:r>
-              <a:rPr lang="en-US" sz="1800" b="1" dirty="0">
+              <a:rPr lang="en-US" b="1" dirty="0">
                 <a:solidFill>
                   <a:srgbClr val="FF0000"/>
                 </a:solidFill>
@@ -6678,7 +6678,7 @@
               <a:t>simple-comp</a:t>
             </a:r>
             <a:r>
-              <a:rPr lang="en-US" sz="1800" dirty="0"/>
+              <a:rPr lang="en-US" dirty="0"/>
               <a:t>', {</a:t>
             </a:r>
           </a:p>
@@ -6693,15 +6693,15 @@
               <a:buNone/>
             </a:pPr>
             <a:r>
-              <a:rPr lang="en-US" sz="1800" dirty="0"/>
+              <a:rPr lang="en-US" dirty="0"/>
               <a:t>		  </a:t>
             </a:r>
             <a:r>
-              <a:rPr lang="en-US" sz="1800" dirty="0" err="1"/>
+              <a:rPr lang="en-US" dirty="0" err="1"/>
               <a:t>init</a:t>
             </a:r>
             <a:r>
-              <a:rPr lang="en-US" sz="1800" dirty="0"/>
+              <a:rPr lang="en-US" dirty="0"/>
               <a:t>: function () { console.log("Yes: simple-comp");  }  });</a:t>
             </a:r>
           </a:p>
@@ -6716,15 +6716,15 @@
               <a:buNone/>
             </a:pPr>
             <a:r>
-              <a:rPr lang="en-US" sz="1800" dirty="0"/>
+              <a:rPr lang="en-US" dirty="0"/>
               <a:t>		</a:t>
             </a:r>
             <a:r>
-              <a:rPr lang="en-US" sz="1800" dirty="0" err="1"/>
+              <a:rPr lang="en-US" dirty="0" err="1"/>
               <a:t>AFRAME.registerComponent</a:t>
             </a:r>
             <a:r>
-              <a:rPr lang="en-US" sz="1800" dirty="0"/>
+              <a:rPr lang="en-US" dirty="0"/>
               <a:t>('other-comp', {</a:t>
             </a:r>
           </a:p>
@@ -6739,7 +6739,7 @@
               <a:buNone/>
             </a:pPr>
             <a:r>
-              <a:rPr lang="en-US" sz="1800" dirty="0"/>
+              <a:rPr lang="en-US" dirty="0"/>
               <a:t>		  schema: {</a:t>
             </a:r>
           </a:p>
@@ -6754,15 +6754,15 @@
               <a:buNone/>
             </a:pPr>
             <a:r>
-              <a:rPr lang="en-US" sz="1800" dirty="0"/>
+              <a:rPr lang="en-US" dirty="0"/>
               <a:t>			message: {type: '</a:t>
             </a:r>
             <a:r>
-              <a:rPr lang="en-US" sz="1800" dirty="0" err="1"/>
+              <a:rPr lang="en-US" dirty="0" err="1"/>
               <a:t>string',default</a:t>
             </a:r>
             <a:r>
-              <a:rPr lang="en-US" sz="1800" dirty="0"/>
+              <a:rPr lang="en-US" dirty="0"/>
               <a:t>: "Good day!" }</a:t>
             </a:r>
           </a:p>
@@ -6777,7 +6777,7 @@
               <a:buNone/>
             </a:pPr>
             <a:r>
-              <a:rPr lang="en-US" sz="1800" dirty="0"/>
+              <a:rPr lang="en-US" dirty="0"/>
               <a:t>		  },</a:t>
             </a:r>
           </a:p>
@@ -6792,23 +6792,23 @@
               <a:buNone/>
             </a:pPr>
             <a:r>
-              <a:rPr lang="en-US" sz="1800" dirty="0"/>
+              <a:rPr lang="en-US" dirty="0"/>
               <a:t>		  </a:t>
             </a:r>
             <a:r>
-              <a:rPr lang="en-US" sz="1800" dirty="0" err="1"/>
+              <a:rPr lang="en-US" dirty="0" err="1"/>
               <a:t>init</a:t>
             </a:r>
             <a:r>
-              <a:rPr lang="en-US" sz="1800" dirty="0"/>
+              <a:rPr lang="en-US" dirty="0"/>
               <a:t>: function () { console.log(</a:t>
             </a:r>
             <a:r>
-              <a:rPr lang="en-US" sz="1800" dirty="0" err="1"/>
+              <a:rPr lang="en-US" dirty="0" err="1"/>
               <a:t>this.data.message</a:t>
             </a:r>
             <a:r>
-              <a:rPr lang="en-US" sz="1800" dirty="0"/>
+              <a:rPr lang="en-US" dirty="0"/>
               <a:t>);  },</a:t>
             </a:r>
           </a:p>
@@ -6823,11 +6823,11 @@
               <a:buNone/>
             </a:pPr>
             <a:r>
-              <a:rPr lang="en-US" sz="1800" dirty="0"/>
+              <a:rPr lang="en-US" dirty="0"/>
               <a:t>		</a:t>
             </a:r>
             <a:r>
-              <a:rPr lang="en-US" sz="1800" dirty="0">
+              <a:rPr lang="en-US" dirty="0">
                 <a:solidFill>
                   <a:srgbClr val="0070C0"/>
                 </a:solidFill>
@@ -6835,7 +6835,7 @@
               <a:t>multiple: true   </a:t>
             </a:r>
             <a:r>
-              <a:rPr lang="en-US" sz="1800" dirty="0"/>
+              <a:rPr lang="en-US" dirty="0"/>
               <a:t>});</a:t>
             </a:r>
           </a:p>

--- a/p05/Defining-a-frame-components.pptx
+++ b/p05/Defining-a-frame-components.pptx
@@ -208,7 +208,7 @@
           <a:p>
             <a:fld id="{0CC22E7C-05FA-4B07-9A3E-26967016A603}" type="datetimeFigureOut">
               <a:rPr lang="en-US" smtClean="0"/>
-              <a:t>10/26/2024</a:t>
+              <a:t>5/30/2025</a:t>
             </a:fld>
             <a:endParaRPr lang="en-US"/>
           </a:p>
@@ -606,7 +606,7 @@
           <a:p>
             <a:fld id="{846CE7D5-CF57-46EF-B807-FDD0502418D4}" type="datetimeFigureOut">
               <a:rPr lang="en-US" smtClean="0"/>
-              <a:t>10/26/2024</a:t>
+              <a:t>5/30/2025</a:t>
             </a:fld>
             <a:endParaRPr lang="en-US"/>
           </a:p>
@@ -776,7 +776,7 @@
           <a:p>
             <a:fld id="{846CE7D5-CF57-46EF-B807-FDD0502418D4}" type="datetimeFigureOut">
               <a:rPr lang="en-US" smtClean="0"/>
-              <a:t>10/26/2024</a:t>
+              <a:t>5/30/2025</a:t>
             </a:fld>
             <a:endParaRPr lang="en-US"/>
           </a:p>
@@ -956,7 +956,7 @@
           <a:p>
             <a:fld id="{846CE7D5-CF57-46EF-B807-FDD0502418D4}" type="datetimeFigureOut">
               <a:rPr lang="en-US" smtClean="0"/>
-              <a:t>10/26/2024</a:t>
+              <a:t>5/30/2025</a:t>
             </a:fld>
             <a:endParaRPr lang="en-US"/>
           </a:p>
@@ -1126,7 +1126,7 @@
           <a:p>
             <a:fld id="{846CE7D5-CF57-46EF-B807-FDD0502418D4}" type="datetimeFigureOut">
               <a:rPr lang="en-US" smtClean="0"/>
-              <a:t>10/26/2024</a:t>
+              <a:t>5/30/2025</a:t>
             </a:fld>
             <a:endParaRPr lang="en-US"/>
           </a:p>
@@ -1372,7 +1372,7 @@
           <a:p>
             <a:fld id="{846CE7D5-CF57-46EF-B807-FDD0502418D4}" type="datetimeFigureOut">
               <a:rPr lang="en-US" smtClean="0"/>
-              <a:t>10/26/2024</a:t>
+              <a:t>5/30/2025</a:t>
             </a:fld>
             <a:endParaRPr lang="en-US"/>
           </a:p>
@@ -1604,7 +1604,7 @@
           <a:p>
             <a:fld id="{846CE7D5-CF57-46EF-B807-FDD0502418D4}" type="datetimeFigureOut">
               <a:rPr lang="en-US" smtClean="0"/>
-              <a:t>10/26/2024</a:t>
+              <a:t>5/30/2025</a:t>
             </a:fld>
             <a:endParaRPr lang="en-US"/>
           </a:p>
@@ -1971,7 +1971,7 @@
           <a:p>
             <a:fld id="{846CE7D5-CF57-46EF-B807-FDD0502418D4}" type="datetimeFigureOut">
               <a:rPr lang="en-US" smtClean="0"/>
-              <a:t>10/26/2024</a:t>
+              <a:t>5/30/2025</a:t>
             </a:fld>
             <a:endParaRPr lang="en-US"/>
           </a:p>
@@ -2089,7 +2089,7 @@
           <a:p>
             <a:fld id="{846CE7D5-CF57-46EF-B807-FDD0502418D4}" type="datetimeFigureOut">
               <a:rPr lang="en-US" smtClean="0"/>
-              <a:t>10/26/2024</a:t>
+              <a:t>5/30/2025</a:t>
             </a:fld>
             <a:endParaRPr lang="en-US"/>
           </a:p>
@@ -2184,7 +2184,7 @@
           <a:p>
             <a:fld id="{846CE7D5-CF57-46EF-B807-FDD0502418D4}" type="datetimeFigureOut">
               <a:rPr lang="en-US" smtClean="0"/>
-              <a:t>10/26/2024</a:t>
+              <a:t>5/30/2025</a:t>
             </a:fld>
             <a:endParaRPr lang="en-US"/>
           </a:p>
@@ -2461,7 +2461,7 @@
           <a:p>
             <a:fld id="{846CE7D5-CF57-46EF-B807-FDD0502418D4}" type="datetimeFigureOut">
               <a:rPr lang="en-US" smtClean="0"/>
-              <a:t>10/26/2024</a:t>
+              <a:t>5/30/2025</a:t>
             </a:fld>
             <a:endParaRPr lang="en-US"/>
           </a:p>
@@ -2718,7 +2718,7 @@
           <a:p>
             <a:fld id="{846CE7D5-CF57-46EF-B807-FDD0502418D4}" type="datetimeFigureOut">
               <a:rPr lang="en-US" smtClean="0"/>
-              <a:t>10/26/2024</a:t>
+              <a:t>5/30/2025</a:t>
             </a:fld>
             <a:endParaRPr lang="en-US"/>
           </a:p>
@@ -2931,7 +2931,7 @@
           <a:p>
             <a:fld id="{846CE7D5-CF57-46EF-B807-FDD0502418D4}" type="datetimeFigureOut">
               <a:rPr lang="en-US" smtClean="0"/>
-              <a:t>10/26/2024</a:t>
+              <a:t>5/30/2025</a:t>
             </a:fld>
             <a:endParaRPr lang="en-US"/>
           </a:p>
